--- a/Rain Man.pptx
+++ b/Rain Man.pptx
@@ -8,10 +8,13 @@
     <p:sldId id="256" r:id="rId2"/>
     <p:sldId id="257" r:id="rId3"/>
     <p:sldId id="258" r:id="rId4"/>
-    <p:sldId id="259" r:id="rId5"/>
-    <p:sldId id="260" r:id="rId6"/>
-    <p:sldId id="261" r:id="rId7"/>
-    <p:sldId id="262" r:id="rId8"/>
+    <p:sldId id="263" r:id="rId5"/>
+    <p:sldId id="259" r:id="rId6"/>
+    <p:sldId id="260" r:id="rId7"/>
+    <p:sldId id="261" r:id="rId8"/>
+    <p:sldId id="264" r:id="rId9"/>
+    <p:sldId id="265" r:id="rId10"/>
+    <p:sldId id="262" r:id="rId11"/>
   </p:sldIdLst>
   <p:sldSz cx="9144000" cy="6858000" type="screen4x3"/>
   <p:notesSz cx="6858000" cy="9144000"/>
@@ -3865,7 +3868,7 @@
         </p:nvSpPr>
         <p:spPr>
           <a:xfrm>
-            <a:off x="685800" y="304800"/>
+            <a:off x="609600" y="-228600"/>
             <a:ext cx="7851648" cy="1828800"/>
           </a:xfrm>
         </p:spPr>
@@ -3890,6 +3893,316 @@
           </a:p>
         </p:txBody>
       </p:sp>
+      <p:pic>
+        <p:nvPicPr>
+          <p:cNvPr id="1026" name="Picture 2" descr="C:\Users\shacharpooyae\Documents\rainapp_screens\rain3.png"/>
+          <p:cNvPicPr>
+            <a:picLocks noChangeAspect="1" noChangeArrowheads="1"/>
+          </p:cNvPicPr>
+          <p:nvPr/>
+        </p:nvPicPr>
+        <p:blipFill>
+          <a:blip r:embed="rId2"/>
+          <a:srcRect/>
+          <a:stretch>
+            <a:fillRect/>
+          </a:stretch>
+        </p:blipFill>
+        <p:spPr bwMode="auto">
+          <a:xfrm>
+            <a:off x="3200400" y="2133600"/>
+            <a:ext cx="2665095" cy="4441825"/>
+          </a:xfrm>
+          <a:prstGeom prst="rect">
+            <a:avLst/>
+          </a:prstGeom>
+          <a:noFill/>
+        </p:spPr>
+      </p:pic>
+      <p:sp>
+        <p:nvSpPr>
+          <p:cNvPr id="5" name="TextBox 4"/>
+          <p:cNvSpPr txBox="1"/>
+          <p:nvPr/>
+        </p:nvSpPr>
+        <p:spPr>
+          <a:xfrm>
+            <a:off x="6705600" y="5334000"/>
+            <a:ext cx="2895600" cy="923330"/>
+          </a:xfrm>
+          <a:prstGeom prst="rect">
+            <a:avLst/>
+          </a:prstGeom>
+          <a:noFill/>
+        </p:spPr>
+        <p:txBody>
+          <a:bodyPr wrap="square" rtlCol="0">
+            <a:spAutoFit/>
+          </a:bodyPr>
+          <a:lstStyle/>
+          <a:p>
+            <a:r>
+              <a:rPr lang="en-US" dirty="0" err="1" smtClean="0"/>
+              <a:t>Shachar</a:t>
+            </a:r>
+            <a:r>
+              <a:rPr lang="en-US" dirty="0" smtClean="0"/>
+              <a:t> </a:t>
+            </a:r>
+            <a:r>
+              <a:rPr lang="en-US" dirty="0" err="1" smtClean="0"/>
+              <a:t>Pooyae</a:t>
+            </a:r>
+            <a:endParaRPr lang="en-US" dirty="0" smtClean="0"/>
+          </a:p>
+          <a:p>
+            <a:r>
+              <a:rPr lang="en-US" dirty="0" smtClean="0"/>
+              <a:t>Denis </a:t>
+            </a:r>
+            <a:r>
+              <a:rPr lang="en-US" dirty="0" err="1" smtClean="0"/>
+              <a:t>Golyanov</a:t>
+            </a:r>
+            <a:endParaRPr lang="en-US" dirty="0" smtClean="0"/>
+          </a:p>
+          <a:p>
+            <a:r>
+              <a:rPr lang="en-US" dirty="0" smtClean="0"/>
+              <a:t>David </a:t>
+            </a:r>
+            <a:r>
+              <a:rPr lang="en-US" dirty="0" err="1" smtClean="0"/>
+              <a:t>Lifshiz</a:t>
+            </a:r>
+            <a:endParaRPr lang="en-US" dirty="0" smtClean="0"/>
+          </a:p>
+        </p:txBody>
+      </p:sp>
+      <p:pic>
+        <p:nvPicPr>
+          <p:cNvPr id="1027" name="Picture 3" descr="C:\Users\shacharpooyae\Documents\rainapp_screens\newRoute.png"/>
+          <p:cNvPicPr>
+            <a:picLocks noChangeAspect="1" noChangeArrowheads="1"/>
+          </p:cNvPicPr>
+          <p:nvPr/>
+        </p:nvPicPr>
+        <p:blipFill>
+          <a:blip r:embed="rId3"/>
+          <a:srcRect/>
+          <a:stretch>
+            <a:fillRect/>
+          </a:stretch>
+        </p:blipFill>
+        <p:spPr bwMode="auto">
+          <a:xfrm>
+            <a:off x="6477000" y="533400"/>
+            <a:ext cx="2377440" cy="3962400"/>
+          </a:xfrm>
+          <a:prstGeom prst="rect">
+            <a:avLst/>
+          </a:prstGeom>
+          <a:noFill/>
+        </p:spPr>
+      </p:pic>
+      <p:pic>
+        <p:nvPicPr>
+          <p:cNvPr id="1028" name="Picture 4" descr="C:\Users\shacharpooyae\Documents\rainapp_screens\rain2.png"/>
+          <p:cNvPicPr>
+            <a:picLocks noChangeAspect="1" noChangeArrowheads="1"/>
+          </p:cNvPicPr>
+          <p:nvPr/>
+        </p:nvPicPr>
+        <p:blipFill>
+          <a:blip r:embed="rId4"/>
+          <a:srcRect/>
+          <a:stretch>
+            <a:fillRect/>
+          </a:stretch>
+        </p:blipFill>
+        <p:spPr bwMode="auto">
+          <a:xfrm>
+            <a:off x="304800" y="533400"/>
+            <a:ext cx="2209800" cy="3683001"/>
+          </a:xfrm>
+          <a:prstGeom prst="rect">
+            <a:avLst/>
+          </a:prstGeom>
+          <a:noFill/>
+        </p:spPr>
+      </p:pic>
+    </p:spTree>
+  </p:cSld>
+  <p:clrMapOvr>
+    <a:masterClrMapping/>
+  </p:clrMapOvr>
+</p:sld>
+</file>
+
+<file path=ppt/slides/slide10.xml><?xml version="1.0" encoding="utf-8"?>
+<p:sld xmlns:a="http://schemas.openxmlformats.org/drawingml/2006/main" xmlns:r="http://schemas.openxmlformats.org/officeDocument/2006/relationships" xmlns:p="http://schemas.openxmlformats.org/presentationml/2006/main">
+  <p:cSld>
+    <p:spTree>
+      <p:nvGrpSpPr>
+        <p:cNvPr id="1" name=""/>
+        <p:cNvGrpSpPr/>
+        <p:nvPr/>
+      </p:nvGrpSpPr>
+      <p:grpSpPr>
+        <a:xfrm>
+          <a:off x="0" y="0"/>
+          <a:ext cx="0" cy="0"/>
+          <a:chOff x="0" y="0"/>
+          <a:chExt cx="0" cy="0"/>
+        </a:xfrm>
+      </p:grpSpPr>
+      <p:sp>
+        <p:nvSpPr>
+          <p:cNvPr id="2" name="כותרת 1"/>
+          <p:cNvSpPr>
+            <a:spLocks noGrp="1"/>
+          </p:cNvSpPr>
+          <p:nvPr>
+            <p:ph type="ctrTitle"/>
+          </p:nvPr>
+        </p:nvSpPr>
+        <p:spPr>
+          <a:xfrm>
+            <a:off x="457200" y="381000"/>
+            <a:ext cx="7851648" cy="990600"/>
+          </a:xfrm>
+        </p:spPr>
+        <p:txBody>
+          <a:bodyPr/>
+          <a:lstStyle/>
+          <a:p>
+            <a:pPr algn="ctr"/>
+            <a:r>
+              <a:rPr lang="en-US" dirty="0" smtClean="0">
+                <a:solidFill>
+                  <a:srgbClr val="FF0000"/>
+                </a:solidFill>
+              </a:rPr>
+              <a:t>STOPPERS</a:t>
+            </a:r>
+            <a:endParaRPr lang="en-US" dirty="0">
+              <a:solidFill>
+                <a:srgbClr val="FF0000"/>
+              </a:solidFill>
+            </a:endParaRPr>
+          </a:p>
+        </p:txBody>
+      </p:sp>
+      <p:sp>
+        <p:nvSpPr>
+          <p:cNvPr id="3" name="כותרת משנה 2"/>
+          <p:cNvSpPr>
+            <a:spLocks noGrp="1"/>
+          </p:cNvSpPr>
+          <p:nvPr>
+            <p:ph type="subTitle" idx="1"/>
+          </p:nvPr>
+        </p:nvSpPr>
+        <p:spPr>
+          <a:xfrm>
+            <a:off x="152400" y="2209800"/>
+            <a:ext cx="7854696" cy="5257800"/>
+          </a:xfrm>
+        </p:spPr>
+        <p:txBody>
+          <a:bodyPr>
+            <a:normAutofit/>
+          </a:bodyPr>
+          <a:lstStyle/>
+          <a:p>
+            <a:pPr algn="l"/>
+            <a:r>
+              <a:rPr lang="en-US" dirty="0" smtClean="0"/>
+              <a:t>1. No “Black Box” for computing the prediction images.</a:t>
+            </a:r>
+          </a:p>
+          <a:p>
+            <a:pPr algn="l"/>
+            <a:r>
+              <a:rPr lang="en-US" dirty="0" smtClean="0"/>
+              <a:t>David has spent a month trying to install the program with no success.</a:t>
+            </a:r>
+          </a:p>
+          <a:p>
+            <a:pPr algn="l"/>
+            <a:r>
+              <a:rPr lang="en-US" dirty="0" smtClean="0"/>
+              <a:t>Numerous Emails to Ben couldn’t lead us to the solution.</a:t>
+            </a:r>
+          </a:p>
+          <a:p>
+            <a:pPr algn="l"/>
+            <a:r>
+              <a:rPr lang="en-US" dirty="0" smtClean="0"/>
+              <a:t>Prof. Wolf is trying to help us and one of his Master student is trying to install the prediction program on </a:t>
+            </a:r>
+            <a:r>
+              <a:rPr lang="en-US" dirty="0" err="1" smtClean="0"/>
+              <a:t>Azur</a:t>
+            </a:r>
+            <a:r>
+              <a:rPr lang="en-US" dirty="0" smtClean="0"/>
+              <a:t>.</a:t>
+            </a:r>
+          </a:p>
+          <a:p>
+            <a:pPr algn="l"/>
+            <a:r>
+              <a:rPr lang="en-US" dirty="0" smtClean="0"/>
+              <a:t>2. </a:t>
+            </a:r>
+            <a:r>
+              <a:rPr lang="en-US" dirty="0" err="1" smtClean="0"/>
+              <a:t>Facebook</a:t>
+            </a:r>
+            <a:r>
+              <a:rPr lang="en-US" dirty="0" smtClean="0"/>
+              <a:t> logging is not working (crashes) when trying it on a real device. </a:t>
+            </a:r>
+          </a:p>
+          <a:p>
+            <a:pPr algn="l"/>
+            <a:endParaRPr lang="en-US" dirty="0" smtClean="0"/>
+          </a:p>
+          <a:p>
+            <a:pPr algn="l"/>
+            <a:endParaRPr lang="en-US" dirty="0" smtClean="0"/>
+          </a:p>
+          <a:p>
+            <a:pPr algn="l"/>
+            <a:endParaRPr lang="en-US" dirty="0"/>
+          </a:p>
+        </p:txBody>
+      </p:sp>
+      <p:pic>
+        <p:nvPicPr>
+          <p:cNvPr id="4" name="תמונה 3" descr="attention.jpg"/>
+          <p:cNvPicPr>
+            <a:picLocks noChangeAspect="1"/>
+          </p:cNvPicPr>
+          <p:nvPr/>
+        </p:nvPicPr>
+        <p:blipFill>
+          <a:blip r:embed="rId2" cstate="print"/>
+          <a:stretch>
+            <a:fillRect/>
+          </a:stretch>
+        </p:blipFill>
+        <p:spPr>
+          <a:xfrm>
+            <a:off x="6629400" y="304800"/>
+            <a:ext cx="1941576" cy="1941576"/>
+          </a:xfrm>
+          <a:prstGeom prst="rect">
+            <a:avLst/>
+          </a:prstGeom>
+        </p:spPr>
+      </p:pic>
     </p:spTree>
   </p:cSld>
   <p:clrMapOvr>
@@ -3933,17 +4246,13 @@
         </p:spPr>
         <p:txBody>
           <a:bodyPr>
-            <a:normAutofit fontScale="92500" lnSpcReduction="20000"/>
+            <a:normAutofit fontScale="85000" lnSpcReduction="10000"/>
           </a:bodyPr>
           <a:lstStyle/>
           <a:p>
             <a:pPr algn="l"/>
             <a:r>
-              <a:rPr lang="en-US" dirty="0" smtClean="0">
-                <a:solidFill>
-                  <a:srgbClr val="FFFF00"/>
-                </a:solidFill>
-              </a:rPr>
+              <a:rPr lang="en-US" dirty="0" smtClean="0"/>
               <a:t>Goals:</a:t>
             </a:r>
           </a:p>
@@ -3951,7 +4260,18 @@
             <a:pPr algn="l"/>
             <a:r>
               <a:rPr lang="en-US" dirty="0" smtClean="0"/>
-              <a:t>Our application will </a:t>
+              <a:t>- The user will have a rain strength indicator for 10, 20 and 30 minutes at his location or at other specified location.</a:t>
+            </a:r>
+          </a:p>
+          <a:p>
+            <a:pPr algn="l"/>
+            <a:r>
+              <a:rPr lang="en-US" dirty="0" smtClean="0"/>
+              <a:t>-Our </a:t>
+            </a:r>
+            <a:r>
+              <a:rPr lang="en-US" dirty="0" smtClean="0"/>
+              <a:t>application will </a:t>
             </a:r>
             <a:r>
               <a:rPr lang="en-US" dirty="0" smtClean="0"/>
@@ -3959,22 +4279,31 @@
             </a:r>
             <a:r>
               <a:rPr lang="en-US" dirty="0" smtClean="0"/>
-              <a:t>a convenient platform to input, save and edit custom paths </a:t>
-            </a:r>
+              <a:t>a convenient platform to </a:t>
+            </a:r>
+            <a:r>
+              <a:rPr lang="en-US" dirty="0" smtClean="0"/>
+              <a:t>create, </a:t>
+            </a:r>
+            <a:r>
+              <a:rPr lang="en-US" dirty="0" smtClean="0"/>
+              <a:t>save and edit custom </a:t>
+            </a:r>
+            <a:r>
+              <a:rPr lang="en-US" dirty="0" smtClean="0"/>
+              <a:t>paths. </a:t>
+            </a:r>
+            <a:endParaRPr lang="en-US" dirty="0" smtClean="0"/>
           </a:p>
           <a:p>
             <a:pPr algn="l"/>
             <a:r>
               <a:rPr lang="en-US" dirty="0" smtClean="0"/>
-              <a:t>-  The user will be able to view the water</a:t>
-            </a:r>
-            <a:r>
-              <a:rPr lang="en-US" dirty="0" smtClean="0">
-                <a:solidFill>
-                  <a:srgbClr val="FF0000"/>
-                </a:solidFill>
-              </a:rPr>
-              <a:t> levels </a:t>
+              <a:t>-  The user will be able to view the water </a:t>
+            </a:r>
+            <a:r>
+              <a:rPr lang="en-US" dirty="0" smtClean="0"/>
+              <a:t>prediction levels </a:t>
             </a:r>
             <a:r>
               <a:rPr lang="en-US" dirty="0" smtClean="0"/>
@@ -3982,7 +4311,7 @@
             </a:r>
             <a:r>
               <a:rPr lang="en-US" dirty="0" smtClean="0"/>
-              <a:t>path and to chooses </a:t>
+              <a:t>path and to choose whether </a:t>
             </a:r>
             <a:r>
               <a:rPr lang="en-US" dirty="0" smtClean="0"/>
@@ -4001,7 +4330,19 @@
             <a:pPr algn="l"/>
             <a:r>
               <a:rPr lang="en-US" dirty="0" smtClean="0"/>
-              <a:t>-  The user will be able to determine the fashion in which he travels, by car, by motorcycle, </a:t>
+              <a:t>-  The user will be able to determine </a:t>
+            </a:r>
+            <a:r>
+              <a:rPr lang="en-US" dirty="0" smtClean="0"/>
+              <a:t>the way in </a:t>
+            </a:r>
+            <a:r>
+              <a:rPr lang="en-US" dirty="0" smtClean="0"/>
+              <a:t>which he </a:t>
+            </a:r>
+            <a:r>
+              <a:rPr lang="en-US" dirty="0" smtClean="0"/>
+              <a:t>travels -  </a:t>
             </a:r>
             <a:r>
               <a:rPr lang="en-US" dirty="0" smtClean="0"/>
@@ -4009,14 +4350,47 @@
             </a:r>
             <a:r>
               <a:rPr lang="en-US" dirty="0" smtClean="0"/>
-              <a:t>bike or by foot. </a:t>
-            </a:r>
+              <a:t>a car</a:t>
+            </a:r>
+            <a:r>
+              <a:rPr lang="en-US" dirty="0" smtClean="0"/>
+              <a:t>, by </a:t>
+            </a:r>
+            <a:r>
+              <a:rPr lang="en-US" dirty="0" smtClean="0"/>
+              <a:t>a motorcycle</a:t>
+            </a:r>
+            <a:r>
+              <a:rPr lang="en-US" dirty="0" smtClean="0"/>
+              <a:t>, </a:t>
+            </a:r>
+            <a:r>
+              <a:rPr lang="en-US" dirty="0" smtClean="0"/>
+              <a:t>by  a bike </a:t>
+            </a:r>
+            <a:r>
+              <a:rPr lang="en-US" dirty="0" smtClean="0"/>
+              <a:t>or by </a:t>
+            </a:r>
+            <a:r>
+              <a:rPr lang="en-US" dirty="0" smtClean="0"/>
+              <a:t>walking. </a:t>
+            </a:r>
+            <a:endParaRPr lang="en-US" dirty="0" smtClean="0"/>
           </a:p>
           <a:p>
             <a:pPr algn="l"/>
             <a:r>
               <a:rPr lang="en-US" dirty="0" smtClean="0"/>
-              <a:t>-  The app will calculate an average water level on each path, presenting the finds to the </a:t>
+              <a:t>-  The app will calculate an average </a:t>
+            </a:r>
+            <a:r>
+              <a:rPr lang="en-US" dirty="0" smtClean="0"/>
+              <a:t>raining amount </a:t>
+            </a:r>
+            <a:r>
+              <a:rPr lang="en-US" dirty="0" smtClean="0"/>
+              <a:t>level on each path, presenting the finds to the </a:t>
             </a:r>
             <a:r>
               <a:rPr lang="en-US" dirty="0" smtClean="0"/>
@@ -4032,19 +4406,7 @@
             </a:r>
             <a:r>
               <a:rPr lang="en-US" dirty="0" smtClean="0"/>
-              <a:t>reach his destination</a:t>
-            </a:r>
-            <a:r>
-              <a:rPr lang="en-US" dirty="0" smtClean="0">
-                <a:solidFill>
-                  <a:srgbClr val="FF0000"/>
-                </a:solidFill>
-              </a:rPr>
-              <a:t>, and when should he leave the house</a:t>
-            </a:r>
-            <a:r>
-              <a:rPr lang="en-US" dirty="0" smtClean="0"/>
-              <a:t>. </a:t>
+              <a:t>reach his destination, and when should he leave the house. </a:t>
             </a:r>
           </a:p>
           <a:p>
@@ -4057,21 +4419,18 @@
               <a:rPr lang="en-US" dirty="0" smtClean="0"/>
               <a:t> The app will provide an interface to check the estimated amount of water that rained over </a:t>
             </a:r>
+            <a:r>
+              <a:rPr lang="en-US" dirty="0" smtClean="0"/>
+              <a:t>a </a:t>
+            </a:r>
+            <a:r>
+              <a:rPr lang="en-US" dirty="0" smtClean="0"/>
+              <a:t>given area, up to 30 days back. </a:t>
+            </a:r>
           </a:p>
           <a:p>
             <a:pPr algn="l"/>
-            <a:r>
-              <a:rPr lang="en-US" dirty="0" smtClean="0"/>
-              <a:t>a given area, up to 30 days back. </a:t>
-            </a:r>
-          </a:p>
-          <a:p>
-            <a:pPr algn="l"/>
-            <a:endParaRPr lang="en-US" dirty="0">
-              <a:solidFill>
-                <a:srgbClr val="FFFF00"/>
-              </a:solidFill>
-            </a:endParaRPr>
+            <a:endParaRPr lang="en-US" dirty="0"/>
           </a:p>
         </p:txBody>
       </p:sp>
@@ -4178,7 +4537,7 @@
         </p:blipFill>
         <p:spPr>
           <a:xfrm>
-            <a:off x="2362200" y="2895600"/>
+            <a:off x="2362200" y="2905191"/>
             <a:ext cx="6477000" cy="3571809"/>
           </a:xfrm>
           <a:prstGeom prst="rect">
@@ -4213,6 +4572,106 @@
       </p:grpSpPr>
       <p:sp>
         <p:nvSpPr>
+          <p:cNvPr id="2" name="כותרת 1"/>
+          <p:cNvSpPr>
+            <a:spLocks noGrp="1"/>
+          </p:cNvSpPr>
+          <p:nvPr>
+            <p:ph type="title"/>
+          </p:nvPr>
+        </p:nvSpPr>
+        <p:spPr/>
+        <p:txBody>
+          <a:bodyPr/>
+          <a:lstStyle/>
+          <a:p>
+            <a:r>
+              <a:rPr smtClean="0"/>
+              <a:t>Let's watch  a demo video of the app..</a:t>
+            </a:r>
+            <a:endParaRPr lang="en-US" dirty="0"/>
+          </a:p>
+        </p:txBody>
+      </p:sp>
+      <p:pic>
+        <p:nvPicPr>
+          <p:cNvPr id="2050" name="Picture 2" descr="C:\Users\shacharpooyae\Documents\rainapp_screens\GroupView.png"/>
+          <p:cNvPicPr>
+            <a:picLocks noChangeAspect="1" noChangeArrowheads="1"/>
+          </p:cNvPicPr>
+          <p:nvPr/>
+        </p:nvPicPr>
+        <p:blipFill>
+          <a:blip r:embed="rId2"/>
+          <a:srcRect/>
+          <a:stretch>
+            <a:fillRect/>
+          </a:stretch>
+        </p:blipFill>
+        <p:spPr bwMode="auto">
+          <a:xfrm>
+            <a:off x="4800600" y="2997200"/>
+            <a:ext cx="1676400" cy="2794000"/>
+          </a:xfrm>
+          <a:prstGeom prst="rect">
+            <a:avLst/>
+          </a:prstGeom>
+          <a:noFill/>
+        </p:spPr>
+      </p:pic>
+      <p:pic>
+        <p:nvPicPr>
+          <p:cNvPr id="2051" name="Picture 3" descr="C:\Users\shacharpooyae\Documents\rainapp_screens\pathForGroup.png"/>
+          <p:cNvPicPr>
+            <a:picLocks noChangeAspect="1" noChangeArrowheads="1"/>
+          </p:cNvPicPr>
+          <p:nvPr/>
+        </p:nvPicPr>
+        <p:blipFill>
+          <a:blip r:embed="rId3"/>
+          <a:srcRect/>
+          <a:stretch>
+            <a:fillRect/>
+          </a:stretch>
+        </p:blipFill>
+        <p:spPr bwMode="auto">
+          <a:xfrm>
+            <a:off x="1600200" y="2971800"/>
+            <a:ext cx="1691640" cy="2819400"/>
+          </a:xfrm>
+          <a:prstGeom prst="rect">
+            <a:avLst/>
+          </a:prstGeom>
+          <a:noFill/>
+        </p:spPr>
+      </p:pic>
+    </p:spTree>
+  </p:cSld>
+  <p:clrMapOvr>
+    <a:masterClrMapping/>
+  </p:clrMapOvr>
+</p:sld>
+</file>
+
+<file path=ppt/slides/slide5.xml><?xml version="1.0" encoding="utf-8"?>
+<p:sld xmlns:a="http://schemas.openxmlformats.org/drawingml/2006/main" xmlns:r="http://schemas.openxmlformats.org/officeDocument/2006/relationships" xmlns:p="http://schemas.openxmlformats.org/presentationml/2006/main">
+  <p:cSld>
+    <p:spTree>
+      <p:nvGrpSpPr>
+        <p:cNvPr id="1" name=""/>
+        <p:cNvGrpSpPr/>
+        <p:nvPr/>
+      </p:nvGrpSpPr>
+      <p:grpSpPr>
+        <a:xfrm>
+          <a:off x="0" y="0"/>
+          <a:ext cx="0" cy="0"/>
+          <a:chOff x="0" y="0"/>
+          <a:chExt cx="0" cy="0"/>
+        </a:xfrm>
+      </p:grpSpPr>
+      <p:sp>
+        <p:nvSpPr>
           <p:cNvPr id="5" name="TextBox 4"/>
           <p:cNvSpPr txBox="1"/>
           <p:nvPr/>
@@ -4234,47 +4693,27 @@
           <a:lstStyle/>
           <a:p>
             <a:r>
-              <a:rPr lang="en-US" dirty="0" smtClean="0">
-                <a:solidFill>
-                  <a:srgbClr val="FFFF00"/>
-                </a:solidFill>
-              </a:rPr>
+              <a:rPr lang="en-US" dirty="0" smtClean="0"/>
               <a:t>Technologies:</a:t>
             </a:r>
           </a:p>
           <a:p>
             <a:r>
-              <a:rPr lang="en-US" dirty="0" smtClean="0">
-                <a:solidFill>
-                  <a:srgbClr val="FFFF00"/>
-                </a:solidFill>
-              </a:rPr>
+              <a:rPr lang="en-US" dirty="0" smtClean="0"/>
               <a:t>For the server side:</a:t>
             </a:r>
           </a:p>
           <a:p>
             <a:r>
-              <a:rPr lang="en-US" dirty="0" smtClean="0">
-                <a:solidFill>
-                  <a:srgbClr val="FFFF00"/>
-                </a:solidFill>
-              </a:rPr>
+              <a:rPr lang="en-US" dirty="0" smtClean="0"/>
               <a:t>We use a </a:t>
             </a:r>
             <a:r>
-              <a:rPr lang="en-US" u="sng" dirty="0" smtClean="0">
-                <a:solidFill>
-                  <a:srgbClr val="FFFF00"/>
-                </a:solidFill>
-              </a:rPr>
+              <a:rPr lang="en-US" u="sng" dirty="0" smtClean="0"/>
               <a:t>mobile service </a:t>
             </a:r>
             <a:r>
-              <a:rPr lang="en-US" dirty="0" smtClean="0">
-                <a:solidFill>
-                  <a:srgbClr val="FFFF00"/>
-                </a:solidFill>
-              </a:rPr>
+              <a:rPr lang="en-US" dirty="0" smtClean="0"/>
               <a:t>to accommodate to following needs:</a:t>
             </a:r>
           </a:p>
@@ -4283,28 +4722,16 @@
               <a:buAutoNum type="arabicPeriod"/>
             </a:pPr>
             <a:r>
-              <a:rPr lang="en-US" dirty="0" smtClean="0">
-                <a:solidFill>
-                  <a:srgbClr val="FFFF00"/>
-                </a:solidFill>
-              </a:rPr>
+              <a:rPr lang="en-US" dirty="0" smtClean="0"/>
               <a:t>Maintain the </a:t>
             </a:r>
             <a:r>
-              <a:rPr lang="en-US" u="sng" dirty="0" smtClean="0">
-                <a:solidFill>
-                  <a:srgbClr val="FFFF00"/>
-                </a:solidFill>
-              </a:rPr>
+              <a:rPr lang="en-US" u="sng" dirty="0" smtClean="0"/>
               <a:t>tables </a:t>
             </a:r>
             <a:r>
-              <a:rPr lang="en-US" dirty="0" smtClean="0">
-                <a:solidFill>
-                  <a:srgbClr val="FFFF00"/>
-                </a:solidFill>
-              </a:rPr>
-              <a:t>for the application which include the paths, the user info ETC.</a:t>
+              <a:rPr lang="en-US" dirty="0" smtClean="0"/>
+              <a:t>for the application which include the paths, the user info, etc.</a:t>
             </a:r>
           </a:p>
           <a:p>
@@ -4312,115 +4739,66 @@
               <a:buAutoNum type="arabicPeriod"/>
             </a:pPr>
             <a:r>
-              <a:rPr lang="en-US" dirty="0" smtClean="0">
-                <a:solidFill>
-                  <a:srgbClr val="FFFF00"/>
-                </a:solidFill>
-              </a:rPr>
-              <a:t>Provide API like an API for calculating the total amount of rain that poured over specific area over a period of time</a:t>
-            </a:r>
-            <a:endParaRPr lang="he-IL" dirty="0" smtClean="0">
-              <a:solidFill>
-                <a:srgbClr val="FFFF00"/>
-              </a:solidFill>
-            </a:endParaRPr>
+              <a:rPr lang="en-US" dirty="0" smtClean="0"/>
+              <a:t>API’s for the client. For example, an API for calculating the total amount of rain that poured over specific area over a period of time</a:t>
+            </a:r>
+            <a:endParaRPr lang="he-IL" dirty="0" smtClean="0"/>
           </a:p>
           <a:p>
             <a:pPr marL="342900" indent="-342900">
               <a:buAutoNum type="arabicPeriod"/>
             </a:pPr>
             <a:r>
-              <a:rPr lang="he-IL" dirty="0">
-                <a:solidFill>
-                  <a:srgbClr val="FFFF00"/>
-                </a:solidFill>
-              </a:rPr>
+              <a:rPr lang="he-IL" dirty="0"/>
               <a:t> </a:t>
             </a:r>
             <a:r>
-              <a:rPr lang="en-US" dirty="0" smtClean="0">
-                <a:solidFill>
-                  <a:srgbClr val="FFFF00"/>
-                </a:solidFill>
-              </a:rPr>
+              <a:rPr lang="en-US" dirty="0" smtClean="0"/>
               <a:t>Download pictures form the IMS and insert them to the </a:t>
             </a:r>
             <a:r>
-              <a:rPr lang="en-US" u="sng" dirty="0" smtClean="0">
-                <a:solidFill>
-                  <a:srgbClr val="FFFF00"/>
-                </a:solidFill>
-              </a:rPr>
+              <a:rPr lang="en-US" u="sng" dirty="0" smtClean="0"/>
               <a:t>Blob storage, </a:t>
             </a:r>
-            <a:endParaRPr lang="en-US" u="sng" dirty="0">
-              <a:solidFill>
-                <a:srgbClr val="FFFF00"/>
-              </a:solidFill>
-            </a:endParaRPr>
+            <a:endParaRPr lang="en-US" u="sng" dirty="0"/>
           </a:p>
           <a:p>
             <a:pPr marL="342900" indent="-342900"/>
             <a:r>
-              <a:rPr lang="en-US" dirty="0" smtClean="0">
-                <a:solidFill>
-                  <a:srgbClr val="FFFF00"/>
-                </a:solidFill>
-              </a:rPr>
+              <a:rPr lang="en-US" dirty="0" smtClean="0"/>
               <a:t>	using </a:t>
             </a:r>
             <a:r>
-              <a:rPr lang="en-US" u="sng" dirty="0" smtClean="0">
-                <a:solidFill>
-                  <a:srgbClr val="FFFF00"/>
-                </a:solidFill>
-              </a:rPr>
+              <a:rPr lang="en-US" u="sng" dirty="0" smtClean="0"/>
               <a:t>Scheduled Jobs</a:t>
             </a:r>
           </a:p>
           <a:p>
             <a:pPr marL="342900" indent="-342900"/>
             <a:r>
-              <a:rPr lang="en-US" dirty="0" smtClean="0">
-                <a:solidFill>
-                  <a:srgbClr val="FFFF00"/>
-                </a:solidFill>
-              </a:rPr>
+              <a:rPr lang="en-US" dirty="0" smtClean="0"/>
               <a:t>4. </a:t>
             </a:r>
             <a:r>
-              <a:rPr lang="en-US" dirty="0" smtClean="0">
-                <a:solidFill>
-                  <a:srgbClr val="FFFF00"/>
-                </a:solidFill>
-              </a:rPr>
+              <a:rPr lang="en-US" dirty="0" smtClean="0"/>
               <a:t>Provide a convenient way of authorizing clients (</a:t>
             </a:r>
             <a:r>
-              <a:rPr lang="en-US" dirty="0" err="1" smtClean="0">
-                <a:solidFill>
-                  <a:srgbClr val="FFFF00"/>
-                </a:solidFill>
-              </a:rPr>
-              <a:t>facebook</a:t>
-            </a:r>
-            <a:r>
-              <a:rPr lang="en-US" dirty="0" smtClean="0">
-                <a:solidFill>
-                  <a:srgbClr val="FFFF00"/>
-                </a:solidFill>
-              </a:rPr>
+              <a:rPr lang="en-US" dirty="0" err="1"/>
+              <a:t>F</a:t>
+            </a:r>
+            <a:r>
+              <a:rPr lang="en-US" dirty="0" err="1" smtClean="0"/>
+              <a:t>acebook</a:t>
+            </a:r>
+            <a:r>
+              <a:rPr lang="en-US" dirty="0" smtClean="0"/>
               <a:t>/Google)</a:t>
             </a:r>
-            <a:endParaRPr lang="en-US" dirty="0" smtClean="0"/>
           </a:p>
           <a:p>
             <a:pPr marL="342900" indent="-342900"/>
-            <a:endParaRPr lang="en-US" dirty="0">
-              <a:solidFill>
-                <a:srgbClr val="FFFF00"/>
-              </a:solidFill>
-            </a:endParaRPr>
+            <a:endParaRPr lang="en-US" dirty="0"/>
           </a:p>
         </p:txBody>
       </p:sp>
@@ -4456,133 +4834,6 @@
 </p:sld>
 </file>
 
-<file path=ppt/slides/slide5.xml><?xml version="1.0" encoding="utf-8"?>
-<p:sld xmlns:a="http://schemas.openxmlformats.org/drawingml/2006/main" xmlns:r="http://schemas.openxmlformats.org/officeDocument/2006/relationships" xmlns:p="http://schemas.openxmlformats.org/presentationml/2006/main">
-  <p:cSld>
-    <p:spTree>
-      <p:nvGrpSpPr>
-        <p:cNvPr id="1" name=""/>
-        <p:cNvGrpSpPr/>
-        <p:nvPr/>
-      </p:nvGrpSpPr>
-      <p:grpSpPr>
-        <a:xfrm>
-          <a:off x="0" y="0"/>
-          <a:ext cx="0" cy="0"/>
-          <a:chOff x="0" y="0"/>
-          <a:chExt cx="0" cy="0"/>
-        </a:xfrm>
-      </p:grpSpPr>
-      <p:sp>
-        <p:nvSpPr>
-          <p:cNvPr id="2" name="כותרת 1"/>
-          <p:cNvSpPr>
-            <a:spLocks noGrp="1"/>
-          </p:cNvSpPr>
-          <p:nvPr>
-            <p:ph type="title"/>
-          </p:nvPr>
-        </p:nvSpPr>
-        <p:spPr/>
-        <p:txBody>
-          <a:bodyPr/>
-          <a:lstStyle/>
-          <a:p>
-            <a:r>
-              <a:rPr smtClean="0">
-                <a:solidFill>
-                  <a:srgbClr val="FFFF00"/>
-                </a:solidFill>
-              </a:rPr>
-              <a:t>Blob Sorage:</a:t>
-            </a:r>
-            <a:br>
-              <a:rPr smtClean="0">
-                <a:solidFill>
-                  <a:srgbClr val="FFFF00"/>
-                </a:solidFill>
-              </a:rPr>
-            </a:br>
-            <a:endParaRPr lang="en-US" dirty="0">
-              <a:solidFill>
-                <a:srgbClr val="FFFF00"/>
-              </a:solidFill>
-            </a:endParaRPr>
-          </a:p>
-        </p:txBody>
-      </p:sp>
-      <p:sp>
-        <p:nvSpPr>
-          <p:cNvPr id="4" name="TextBox 3"/>
-          <p:cNvSpPr txBox="1"/>
-          <p:nvPr/>
-        </p:nvSpPr>
-        <p:spPr>
-          <a:xfrm>
-            <a:off x="609600" y="1752600"/>
-            <a:ext cx="7543800" cy="1200329"/>
-          </a:xfrm>
-          <a:prstGeom prst="rect">
-            <a:avLst/>
-          </a:prstGeom>
-          <a:noFill/>
-        </p:spPr>
-        <p:txBody>
-          <a:bodyPr wrap="square" rtlCol="0">
-            <a:spAutoFit/>
-          </a:bodyPr>
-          <a:lstStyle/>
-          <a:p>
-            <a:r>
-              <a:rPr lang="en-US" dirty="0" smtClean="0"/>
-              <a:t>This is our main storage for storing the images. We use it from the Linux </a:t>
-            </a:r>
-            <a:r>
-              <a:rPr lang="en-US" dirty="0" err="1" smtClean="0"/>
-              <a:t>vm</a:t>
-            </a:r>
-            <a:r>
-              <a:rPr lang="en-US" dirty="0" smtClean="0"/>
-              <a:t> and from the mobile service. It can handle images much better than the table storage or the SQL DB.</a:t>
-            </a:r>
-          </a:p>
-          <a:p>
-            <a:endParaRPr lang="en-US" dirty="0"/>
-          </a:p>
-        </p:txBody>
-      </p:sp>
-      <p:pic>
-        <p:nvPicPr>
-          <p:cNvPr id="5" name="תמונה 4" descr="Screen Shot 2015-01-18 at 1.35.07 AM.png"/>
-          <p:cNvPicPr>
-            <a:picLocks noChangeAspect="1"/>
-          </p:cNvPicPr>
-          <p:nvPr/>
-        </p:nvPicPr>
-        <p:blipFill>
-          <a:blip r:embed="rId2"/>
-          <a:stretch>
-            <a:fillRect/>
-          </a:stretch>
-        </p:blipFill>
-        <p:spPr>
-          <a:xfrm>
-            <a:off x="1524000" y="2819400"/>
-            <a:ext cx="5707086" cy="3831251"/>
-          </a:xfrm>
-          <a:prstGeom prst="rect">
-            <a:avLst/>
-          </a:prstGeom>
-        </p:spPr>
-      </p:pic>
-    </p:spTree>
-  </p:cSld>
-  <p:clrMapOvr>
-    <a:masterClrMapping/>
-  </p:clrMapOvr>
-</p:sld>
-</file>
-
 <file path=ppt/slides/slide6.xml><?xml version="1.0" encoding="utf-8"?>
 <p:sld xmlns:a="http://schemas.openxmlformats.org/drawingml/2006/main" xmlns:r="http://schemas.openxmlformats.org/officeDocument/2006/relationships" xmlns:p="http://schemas.openxmlformats.org/presentationml/2006/main">
   <p:cSld>
@@ -4610,7 +4861,12 @@
             <p:ph type="title"/>
           </p:nvPr>
         </p:nvSpPr>
-        <p:spPr/>
+        <p:spPr>
+          <a:xfrm>
+            <a:off x="457200" y="533400"/>
+            <a:ext cx="7772400" cy="1362456"/>
+          </a:xfrm>
+        </p:spPr>
         <p:txBody>
           <a:bodyPr/>
           <a:lstStyle/>
@@ -4621,8 +4877,15 @@
                   <a:srgbClr val="FFFF00"/>
                 </a:solidFill>
               </a:rPr>
-              <a:t>Live Demonstration</a:t>
-            </a:r>
+              <a:t>Blob Sorage:</a:t>
+            </a:r>
+            <a:br>
+              <a:rPr smtClean="0">
+                <a:solidFill>
+                  <a:srgbClr val="FFFF00"/>
+                </a:solidFill>
+              </a:rPr>
+            </a:br>
             <a:endParaRPr lang="en-US" dirty="0">
               <a:solidFill>
                 <a:srgbClr val="FFFF00"/>
@@ -4631,6 +4894,62 @@
           </a:p>
         </p:txBody>
       </p:sp>
+      <p:sp>
+        <p:nvSpPr>
+          <p:cNvPr id="4" name="TextBox 3"/>
+          <p:cNvSpPr txBox="1"/>
+          <p:nvPr/>
+        </p:nvSpPr>
+        <p:spPr>
+          <a:xfrm>
+            <a:off x="533400" y="1295400"/>
+            <a:ext cx="7543800" cy="1200329"/>
+          </a:xfrm>
+          <a:prstGeom prst="rect">
+            <a:avLst/>
+          </a:prstGeom>
+          <a:noFill/>
+        </p:spPr>
+        <p:txBody>
+          <a:bodyPr wrap="square" rtlCol="0">
+            <a:spAutoFit/>
+          </a:bodyPr>
+          <a:lstStyle/>
+          <a:p>
+            <a:r>
+              <a:rPr lang="en-US" dirty="0" smtClean="0"/>
+              <a:t>This is our main storage for storing the images. We use it from the Linux VM and from the mobile service. It can handle images much better than the table storage or the SQL DB.</a:t>
+            </a:r>
+          </a:p>
+          <a:p>
+            <a:endParaRPr lang="en-US" dirty="0"/>
+          </a:p>
+        </p:txBody>
+      </p:sp>
+      <p:pic>
+        <p:nvPicPr>
+          <p:cNvPr id="5" name="תמונה 4" descr="Screen Shot 2015-01-18 at 1.35.07 AM.png"/>
+          <p:cNvPicPr>
+            <a:picLocks noChangeAspect="1"/>
+          </p:cNvPicPr>
+          <p:nvPr/>
+        </p:nvPicPr>
+        <p:blipFill>
+          <a:blip r:embed="rId2"/>
+          <a:stretch>
+            <a:fillRect/>
+          </a:stretch>
+        </p:blipFill>
+        <p:spPr>
+          <a:xfrm>
+            <a:off x="1524000" y="2743200"/>
+            <a:ext cx="5707086" cy="3831251"/>
+          </a:xfrm>
+          <a:prstGeom prst="rect">
+            <a:avLst/>
+          </a:prstGeom>
+        </p:spPr>
+      </p:pic>
     </p:spTree>
   </p:cSld>
   <p:clrMapOvr>
@@ -4658,104 +4977,407 @@
       </p:grpSpPr>
       <p:sp>
         <p:nvSpPr>
+          <p:cNvPr id="5" name="TextBox 4"/>
+          <p:cNvSpPr txBox="1"/>
+          <p:nvPr/>
+        </p:nvSpPr>
+        <p:spPr>
+          <a:xfrm>
+            <a:off x="685800" y="838200"/>
+            <a:ext cx="7391400" cy="3139321"/>
+          </a:xfrm>
+          <a:prstGeom prst="rect">
+            <a:avLst/>
+          </a:prstGeom>
+          <a:noFill/>
+        </p:spPr>
+        <p:txBody>
+          <a:bodyPr wrap="square" rtlCol="0">
+            <a:spAutoFit/>
+          </a:bodyPr>
+          <a:lstStyle/>
+          <a:p>
+            <a:endParaRPr lang="en-US" dirty="0" smtClean="0"/>
+          </a:p>
+          <a:p>
+            <a:r>
+              <a:rPr lang="en-US" dirty="0" smtClean="0"/>
+              <a:t>Services:</a:t>
+            </a:r>
+            <a:endParaRPr lang="en-US" dirty="0"/>
+          </a:p>
+          <a:p>
+            <a:endParaRPr lang="en-US" dirty="0" smtClean="0"/>
+          </a:p>
+          <a:p>
+            <a:pPr>
+              <a:buFontTx/>
+              <a:buChar char="-"/>
+            </a:pPr>
+            <a:r>
+              <a:rPr lang="en-US" dirty="0" smtClean="0"/>
+              <a:t>connection </a:t>
+            </a:r>
+            <a:r>
+              <a:rPr lang="en-US" dirty="0"/>
+              <a:t>between VM and blob service with </a:t>
+            </a:r>
+            <a:r>
+              <a:rPr lang="en-US" dirty="0" smtClean="0"/>
+              <a:t>a known library</a:t>
+            </a:r>
+          </a:p>
+          <a:p>
+            <a:r>
+              <a:rPr lang="en-US" dirty="0" smtClean="0"/>
+              <a:t>-</a:t>
+            </a:r>
+            <a:r>
+              <a:rPr lang="en-US" dirty="0"/>
+              <a:t>image processing :</a:t>
+            </a:r>
+            <a:endParaRPr lang="en-US" dirty="0" smtClean="0"/>
+          </a:p>
+          <a:p>
+            <a:pPr>
+              <a:buFontTx/>
+              <a:buChar char="-"/>
+            </a:pPr>
+            <a:r>
+              <a:rPr lang="en-US" dirty="0" smtClean="0"/>
+              <a:t>radar off</a:t>
+            </a:r>
+          </a:p>
+          <a:p>
+            <a:pPr lvl="1">
+              <a:buFontTx/>
+              <a:buChar char="-"/>
+            </a:pPr>
+            <a:r>
+              <a:rPr lang="en-US" dirty="0" smtClean="0"/>
+              <a:t>-</a:t>
+            </a:r>
+            <a:r>
+              <a:rPr lang="en-US" dirty="0"/>
+              <a:t>image processing : black dots (neighbors median </a:t>
+            </a:r>
+            <a:r>
+              <a:rPr lang="en-US" dirty="0" err="1"/>
+              <a:t>hsv</a:t>
+            </a:r>
+            <a:r>
+              <a:rPr lang="en-US" dirty="0"/>
+              <a:t>) , difference to </a:t>
+            </a:r>
+            <a:endParaRPr lang="en-US" dirty="0" smtClean="0"/>
+          </a:p>
+          <a:p>
+            <a:pPr>
+              <a:buFontTx/>
+              <a:buChar char="-"/>
+            </a:pPr>
+            <a:r>
+              <a:rPr lang="en-US" dirty="0" smtClean="0"/>
+              <a:t>-</a:t>
+            </a:r>
+            <a:r>
+              <a:rPr lang="en-US" dirty="0"/>
+              <a:t>location to </a:t>
+            </a:r>
+            <a:r>
+              <a:rPr lang="en-US" dirty="0" smtClean="0"/>
+              <a:t>pixel:</a:t>
+            </a:r>
+          </a:p>
+          <a:p>
+            <a:pPr lvl="1" algn="l"/>
+            <a:r>
+              <a:rPr lang="en-US" dirty="0" smtClean="0"/>
+              <a:t>-</a:t>
+            </a:r>
+            <a:r>
+              <a:rPr lang="en-US" dirty="0"/>
+              <a:t>pixel matching between two </a:t>
+            </a:r>
+            <a:r>
+              <a:rPr lang="en-US" dirty="0" smtClean="0"/>
+              <a:t>picture</a:t>
+            </a:r>
+          </a:p>
+          <a:p>
+            <a:pPr lvl="1" algn="l"/>
+            <a:endParaRPr lang="en-US" dirty="0" smtClean="0"/>
+          </a:p>
+        </p:txBody>
+      </p:sp>
+      <p:sp>
+        <p:nvSpPr>
+          <p:cNvPr id="6" name="TextBox 5"/>
+          <p:cNvSpPr txBox="1"/>
+          <p:nvPr/>
+        </p:nvSpPr>
+        <p:spPr>
+          <a:xfrm>
+            <a:off x="838200" y="3581400"/>
+            <a:ext cx="7162800" cy="1754326"/>
+          </a:xfrm>
+          <a:prstGeom prst="rect">
+            <a:avLst/>
+          </a:prstGeom>
+          <a:noFill/>
+        </p:spPr>
+        <p:txBody>
+          <a:bodyPr wrap="square" rtlCol="0">
+            <a:spAutoFit/>
+          </a:bodyPr>
+          <a:lstStyle/>
+          <a:p>
+            <a:pPr marL="0" lvl="1"/>
+            <a:r>
+              <a:rPr lang="en-US" dirty="0" smtClean="0"/>
+              <a:t>-pixel to color :</a:t>
+            </a:r>
+          </a:p>
+          <a:p>
+            <a:pPr marL="0" lvl="1"/>
+            <a:r>
+              <a:rPr lang="en-US" dirty="0" smtClean="0"/>
+              <a:t>	-hue (360 degrees. Hue in the HSB/HSL encodings of RGB picture)</a:t>
+            </a:r>
+          </a:p>
+          <a:p>
+            <a:pPr marL="0" lvl="1"/>
+            <a:r>
+              <a:rPr lang="en-US" dirty="0" smtClean="0"/>
+              <a:t>	-two Continuous hue parts in the original bar. </a:t>
+            </a:r>
+          </a:p>
+          <a:p>
+            <a:pPr marL="0" lvl="1"/>
+            <a:r>
+              <a:rPr lang="en-US" dirty="0" smtClean="0"/>
+              <a:t>	-linear between delimiters assumption ,</a:t>
+            </a:r>
+          </a:p>
+          <a:p>
+            <a:endParaRPr lang="en-US" dirty="0"/>
+          </a:p>
+        </p:txBody>
+      </p:sp>
+    </p:spTree>
+  </p:cSld>
+  <p:clrMapOvr>
+    <a:masterClrMapping/>
+  </p:clrMapOvr>
+</p:sld>
+</file>
+
+<file path=ppt/slides/slide8.xml><?xml version="1.0" encoding="utf-8"?>
+<p:sld xmlns:a="http://schemas.openxmlformats.org/drawingml/2006/main" xmlns:r="http://schemas.openxmlformats.org/officeDocument/2006/relationships" xmlns:p="http://schemas.openxmlformats.org/presentationml/2006/main">
+  <p:cSld>
+    <p:spTree>
+      <p:nvGrpSpPr>
+        <p:cNvPr id="1" name=""/>
+        <p:cNvGrpSpPr/>
+        <p:nvPr/>
+      </p:nvGrpSpPr>
+      <p:grpSpPr>
+        <a:xfrm>
+          <a:off x="0" y="0"/>
+          <a:ext cx="0" cy="0"/>
+          <a:chOff x="0" y="0"/>
+          <a:chExt cx="0" cy="0"/>
+        </a:xfrm>
+      </p:grpSpPr>
+      <p:sp>
+        <p:nvSpPr>
           <p:cNvPr id="2" name="כותרת 1"/>
           <p:cNvSpPr>
             <a:spLocks noGrp="1"/>
           </p:cNvSpPr>
           <p:nvPr>
-            <p:ph type="ctrTitle"/>
+            <p:ph type="title"/>
           </p:nvPr>
         </p:nvSpPr>
         <p:spPr>
           <a:xfrm>
             <a:off x="533400" y="457200"/>
-            <a:ext cx="7851648" cy="1828800"/>
+            <a:ext cx="7772400" cy="1362456"/>
           </a:xfrm>
         </p:spPr>
         <p:txBody>
           <a:bodyPr/>
           <a:lstStyle/>
           <a:p>
-            <a:pPr algn="ctr"/>
-            <a:r>
-              <a:rPr lang="en-US" dirty="0" smtClean="0">
+            <a:r>
+              <a:rPr smtClean="0">
                 <a:solidFill>
-                  <a:srgbClr val="FF0000"/>
+                  <a:srgbClr val="FFFF00"/>
                 </a:solidFill>
               </a:rPr>
-              <a:t>STOPPERS</a:t>
+              <a:t>UI</a:t>
             </a:r>
             <a:endParaRPr lang="en-US" dirty="0">
               <a:solidFill>
-                <a:srgbClr val="FF0000"/>
+                <a:srgbClr val="FFFF00"/>
               </a:solidFill>
             </a:endParaRPr>
           </a:p>
         </p:txBody>
       </p:sp>
-      <p:sp>
-        <p:nvSpPr>
-          <p:cNvPr id="3" name="כותרת משנה 2"/>
-          <p:cNvSpPr>
-            <a:spLocks noGrp="1"/>
-          </p:cNvSpPr>
-          <p:nvPr>
-            <p:ph type="subTitle" idx="1"/>
+    </p:spTree>
+  </p:cSld>
+  <p:clrMapOvr>
+    <a:masterClrMapping/>
+  </p:clrMapOvr>
+</p:sld>
+</file>
+
+<file path=ppt/slides/slide9.xml><?xml version="1.0" encoding="utf-8"?>
+<p:sld xmlns:a="http://schemas.openxmlformats.org/drawingml/2006/main" xmlns:r="http://schemas.openxmlformats.org/officeDocument/2006/relationships" xmlns:p="http://schemas.openxmlformats.org/presentationml/2006/main">
+  <p:cSld>
+    <p:spTree>
+      <p:nvGrpSpPr>
+        <p:cNvPr id="1" name=""/>
+        <p:cNvGrpSpPr/>
+        <p:nvPr/>
+      </p:nvGrpSpPr>
+      <p:grpSpPr>
+        <a:xfrm>
+          <a:off x="0" y="0"/>
+          <a:ext cx="0" cy="0"/>
+          <a:chOff x="0" y="0"/>
+          <a:chExt cx="0" cy="0"/>
+        </a:xfrm>
+      </p:grpSpPr>
+      <p:sp>
+        <p:nvSpPr>
+          <p:cNvPr id="2" name="כותרת 1"/>
+          <p:cNvSpPr>
+            <a:spLocks noGrp="1"/>
+          </p:cNvSpPr>
+          <p:nvPr>
+            <p:ph type="title"/>
           </p:nvPr>
         </p:nvSpPr>
         <p:spPr>
           <a:xfrm>
-            <a:off x="457200" y="2743200"/>
-            <a:ext cx="7854696" cy="3276600"/>
+            <a:off x="304800" y="381000"/>
+            <a:ext cx="7772400" cy="1362456"/>
           </a:xfrm>
         </p:spPr>
         <p:txBody>
-          <a:bodyPr>
-            <a:normAutofit/>
+          <a:bodyPr/>
+          <a:lstStyle/>
+          <a:p>
+            <a:r>
+              <a:rPr smtClean="0"/>
+              <a:t>Chall</a:t>
+            </a:r>
+            <a:r>
+              <a:rPr lang="en-US" dirty="0" smtClean="0"/>
+              <a:t>e</a:t>
+            </a:r>
+            <a:r>
+              <a:rPr smtClean="0"/>
+              <a:t>nges:</a:t>
+            </a:r>
+            <a:endParaRPr lang="en-US" dirty="0"/>
+          </a:p>
+        </p:txBody>
+      </p:sp>
+      <p:sp>
+        <p:nvSpPr>
+          <p:cNvPr id="4" name="TextBox 3"/>
+          <p:cNvSpPr txBox="1"/>
+          <p:nvPr/>
+        </p:nvSpPr>
+        <p:spPr>
+          <a:xfrm>
+            <a:off x="304800" y="1828800"/>
+            <a:ext cx="8229600" cy="2862322"/>
+          </a:xfrm>
+          <a:prstGeom prst="rect">
+            <a:avLst/>
+          </a:prstGeom>
+          <a:noFill/>
+        </p:spPr>
+        <p:txBody>
+          <a:bodyPr wrap="square" rtlCol="0">
+            <a:spAutoFit/>
           </a:bodyPr>
           <a:lstStyle/>
           <a:p>
-            <a:pPr algn="l"/>
-            <a:r>
-              <a:rPr lang="en-US" dirty="0" smtClean="0"/>
-              <a:t>No “Black Box” for computing the prediction images.</a:t>
-            </a:r>
-          </a:p>
-          <a:p>
-            <a:pPr algn="l"/>
-            <a:r>
-              <a:rPr lang="en-US" dirty="0" smtClean="0"/>
-              <a:t>David has spent a month trying to install the program with no success.</a:t>
-            </a:r>
-          </a:p>
-          <a:p>
-            <a:pPr algn="l"/>
-            <a:r>
-              <a:rPr lang="en-US" dirty="0" err="1" smtClean="0"/>
-              <a:t>Numeruos</a:t>
-            </a:r>
-            <a:r>
-              <a:rPr lang="en-US" dirty="0" smtClean="0"/>
-              <a:t> Emails to Ben did not succeed.</a:t>
-            </a:r>
-          </a:p>
-          <a:p>
-            <a:pPr algn="l"/>
-            <a:r>
-              <a:rPr lang="en-US" dirty="0" smtClean="0"/>
-              <a:t>Prof. Wolf is trying to help us and one of his Master student is trying to install the prediction program on </a:t>
-            </a:r>
-            <a:r>
-              <a:rPr lang="en-US" dirty="0" err="1" smtClean="0"/>
-              <a:t>Azur</a:t>
-            </a:r>
-            <a:r>
-              <a:rPr lang="en-US" dirty="0" smtClean="0"/>
-              <a:t>.</a:t>
-            </a:r>
-          </a:p>
-          <a:p>
-            <a:pPr algn="l"/>
+            <a:pPr marL="342900" indent="-342900">
+              <a:buAutoNum type="arabicPeriod"/>
+            </a:pPr>
+            <a:r>
+              <a:rPr lang="en-US" dirty="0" smtClean="0"/>
+              <a:t>Some of us needed to upgrade windows (or virtual machines).</a:t>
+            </a:r>
+          </a:p>
+          <a:p>
+            <a:pPr marL="342900" indent="-342900">
+              <a:buAutoNum type="arabicPeriod"/>
+            </a:pPr>
+            <a:r>
+              <a:rPr lang="en-US" dirty="0" smtClean="0"/>
+              <a:t>Getting familiar with the azure infrastructure: numerous videos and articles.</a:t>
+            </a:r>
+          </a:p>
+          <a:p>
+            <a:pPr marL="342900" indent="-342900">
+              <a:buAutoNum type="arabicPeriod"/>
+            </a:pPr>
+            <a:r>
+              <a:rPr lang="en-US" dirty="0" smtClean="0"/>
+              <a:t>Deciding the type of  tables to use ( Blob, Table storage and SQL DB).</a:t>
+            </a:r>
+          </a:p>
+          <a:p>
+            <a:pPr marL="342900" indent="-342900">
+              <a:buAutoNum type="arabicPeriod"/>
+            </a:pPr>
+            <a:r>
+              <a:rPr lang="en-US" dirty="0" smtClean="0"/>
+              <a:t>Accessing the DB with bugs in stream and Little Endean or Big Endean differences.</a:t>
+            </a:r>
+          </a:p>
+          <a:p>
+            <a:pPr marL="342900" indent="-342900">
+              <a:buAutoNum type="arabicPeriod"/>
+            </a:pPr>
+            <a:r>
+              <a:rPr lang="en-US" dirty="0" smtClean="0"/>
+              <a:t>Coordination between the 3 team mates.</a:t>
+            </a:r>
+          </a:p>
+          <a:p>
+            <a:pPr marL="342900" indent="-342900">
+              <a:buAutoNum type="arabicPeriod"/>
+            </a:pPr>
+            <a:r>
+              <a:rPr lang="en-US" dirty="0" smtClean="0"/>
+              <a:t>Source Control (GIT).</a:t>
+            </a:r>
+          </a:p>
+          <a:p>
+            <a:pPr marL="342900" indent="-342900">
+              <a:buAutoNum type="arabicPeriod" startAt="7"/>
+            </a:pPr>
+            <a:r>
+              <a:rPr lang="en-US" dirty="0" smtClean="0"/>
+              <a:t>No help regarding the use of AZUR: we contacted Microsoft help desk.</a:t>
+            </a:r>
+          </a:p>
+          <a:p>
+            <a:pPr marL="342900" indent="-342900"/>
+            <a:endParaRPr lang="en-US" dirty="0" smtClean="0"/>
+          </a:p>
+          <a:p>
+            <a:pPr marL="342900" indent="-342900">
+              <a:buAutoNum type="arabicPeriod"/>
+            </a:pPr>
             <a:endParaRPr lang="en-US" dirty="0"/>
           </a:p>
         </p:txBody>

--- a/Rain Man.pptx
+++ b/Rain Man.pptx
@@ -6,15 +6,16 @@
   </p:sldMasterIdLst>
   <p:sldIdLst>
     <p:sldId id="256" r:id="rId2"/>
-    <p:sldId id="257" r:id="rId3"/>
-    <p:sldId id="258" r:id="rId4"/>
-    <p:sldId id="263" r:id="rId5"/>
-    <p:sldId id="259" r:id="rId6"/>
-    <p:sldId id="260" r:id="rId7"/>
-    <p:sldId id="261" r:id="rId8"/>
-    <p:sldId id="264" r:id="rId9"/>
-    <p:sldId id="265" r:id="rId10"/>
-    <p:sldId id="262" r:id="rId11"/>
+    <p:sldId id="266" r:id="rId3"/>
+    <p:sldId id="257" r:id="rId4"/>
+    <p:sldId id="258" r:id="rId5"/>
+    <p:sldId id="263" r:id="rId6"/>
+    <p:sldId id="259" r:id="rId7"/>
+    <p:sldId id="260" r:id="rId8"/>
+    <p:sldId id="261" r:id="rId9"/>
+    <p:sldId id="264" r:id="rId10"/>
+    <p:sldId id="265" r:id="rId11"/>
+    <p:sldId id="262" r:id="rId12"/>
   </p:sldIdLst>
   <p:sldSz cx="9144000" cy="6858000" type="screen4x3"/>
   <p:notesSz cx="6858000" cy="9144000"/>
@@ -289,7 +290,8 @@
           <a:p>
             <a:fld id="{515C6D0B-E387-4CC7-80A7-49733B4F34FB}" type="datetimeFigureOut">
               <a:rPr lang="en-US" smtClean="0"/>
-              <a:t>1/18/2015</a:t>
+              <a:pPr/>
+              <a:t>1/20/2015</a:t>
             </a:fld>
             <a:endParaRPr lang="en-US"/>
           </a:p>
@@ -331,6 +333,7 @@
           <a:p>
             <a:fld id="{7F59A2D5-BB6B-48E4-ADA9-704A0F114892}" type="slidenum">
               <a:rPr lang="en-US" smtClean="0"/>
+              <a:pPr/>
               <a:t>‹#›</a:t>
             </a:fld>
             <a:endParaRPr lang="en-US"/>
@@ -454,7 +457,8 @@
           <a:p>
             <a:fld id="{515C6D0B-E387-4CC7-80A7-49733B4F34FB}" type="datetimeFigureOut">
               <a:rPr lang="en-US" smtClean="0"/>
-              <a:t>1/18/2015</a:t>
+              <a:pPr/>
+              <a:t>1/20/2015</a:t>
             </a:fld>
             <a:endParaRPr lang="en-US"/>
           </a:p>
@@ -496,6 +500,7 @@
           <a:p>
             <a:fld id="{7F59A2D5-BB6B-48E4-ADA9-704A0F114892}" type="slidenum">
               <a:rPr lang="en-US" smtClean="0"/>
+              <a:pPr/>
               <a:t>‹#›</a:t>
             </a:fld>
             <a:endParaRPr lang="en-US"/>
@@ -629,7 +634,8 @@
           <a:p>
             <a:fld id="{515C6D0B-E387-4CC7-80A7-49733B4F34FB}" type="datetimeFigureOut">
               <a:rPr lang="en-US" smtClean="0"/>
-              <a:t>1/18/2015</a:t>
+              <a:pPr/>
+              <a:t>1/20/2015</a:t>
             </a:fld>
             <a:endParaRPr lang="en-US"/>
           </a:p>
@@ -671,6 +677,7 @@
           <a:p>
             <a:fld id="{7F59A2D5-BB6B-48E4-ADA9-704A0F114892}" type="slidenum">
               <a:rPr lang="en-US" smtClean="0"/>
+              <a:pPr/>
               <a:t>‹#›</a:t>
             </a:fld>
             <a:endParaRPr lang="en-US"/>
@@ -794,7 +801,8 @@
           <a:p>
             <a:fld id="{515C6D0B-E387-4CC7-80A7-49733B4F34FB}" type="datetimeFigureOut">
               <a:rPr lang="en-US" smtClean="0"/>
-              <a:t>1/18/2015</a:t>
+              <a:pPr/>
+              <a:t>1/20/2015</a:t>
             </a:fld>
             <a:endParaRPr lang="en-US"/>
           </a:p>
@@ -836,6 +844,7 @@
           <a:p>
             <a:fld id="{7F59A2D5-BB6B-48E4-ADA9-704A0F114892}" type="slidenum">
               <a:rPr lang="en-US" smtClean="0"/>
+              <a:pPr/>
               <a:t>‹#›</a:t>
             </a:fld>
             <a:endParaRPr lang="en-US"/>
@@ -1036,7 +1045,8 @@
           <a:p>
             <a:fld id="{515C6D0B-E387-4CC7-80A7-49733B4F34FB}" type="datetimeFigureOut">
               <a:rPr lang="en-US" smtClean="0"/>
-              <a:t>1/18/2015</a:t>
+              <a:pPr/>
+              <a:t>1/20/2015</a:t>
             </a:fld>
             <a:endParaRPr lang="en-US"/>
           </a:p>
@@ -1078,6 +1088,7 @@
           <a:p>
             <a:fld id="{7F59A2D5-BB6B-48E4-ADA9-704A0F114892}" type="slidenum">
               <a:rPr lang="en-US" smtClean="0"/>
+              <a:pPr/>
               <a:t>‹#›</a:t>
             </a:fld>
             <a:endParaRPr lang="en-US"/>
@@ -1300,7 +1311,8 @@
           <a:p>
             <a:fld id="{515C6D0B-E387-4CC7-80A7-49733B4F34FB}" type="datetimeFigureOut">
               <a:rPr lang="en-US" smtClean="0"/>
-              <a:t>1/18/2015</a:t>
+              <a:pPr/>
+              <a:t>1/20/2015</a:t>
             </a:fld>
             <a:endParaRPr lang="en-US"/>
           </a:p>
@@ -1342,6 +1354,7 @@
           <a:p>
             <a:fld id="{7F59A2D5-BB6B-48E4-ADA9-704A0F114892}" type="slidenum">
               <a:rPr lang="en-US" smtClean="0"/>
+              <a:pPr/>
               <a:t>‹#›</a:t>
             </a:fld>
             <a:endParaRPr lang="en-US"/>
@@ -1678,7 +1691,8 @@
           <a:p>
             <a:fld id="{515C6D0B-E387-4CC7-80A7-49733B4F34FB}" type="datetimeFigureOut">
               <a:rPr lang="en-US" smtClean="0"/>
-              <a:t>1/18/2015</a:t>
+              <a:pPr/>
+              <a:t>1/20/2015</a:t>
             </a:fld>
             <a:endParaRPr lang="en-US"/>
           </a:p>
@@ -1720,6 +1734,7 @@
           <a:p>
             <a:fld id="{7F59A2D5-BB6B-48E4-ADA9-704A0F114892}" type="slidenum">
               <a:rPr lang="en-US" smtClean="0"/>
+              <a:pPr/>
               <a:t>‹#›</a:t>
             </a:fld>
             <a:endParaRPr lang="en-US"/>
@@ -1828,7 +1843,8 @@
           <a:p>
             <a:fld id="{515C6D0B-E387-4CC7-80A7-49733B4F34FB}" type="datetimeFigureOut">
               <a:rPr lang="en-US" smtClean="0"/>
-              <a:t>1/18/2015</a:t>
+              <a:pPr/>
+              <a:t>1/20/2015</a:t>
             </a:fld>
             <a:endParaRPr lang="en-US"/>
           </a:p>
@@ -1870,6 +1886,7 @@
           <a:p>
             <a:fld id="{7F59A2D5-BB6B-48E4-ADA9-704A0F114892}" type="slidenum">
               <a:rPr lang="en-US" smtClean="0"/>
+              <a:pPr/>
               <a:t>‹#›</a:t>
             </a:fld>
             <a:endParaRPr lang="en-US"/>
@@ -1918,7 +1935,8 @@
           <a:p>
             <a:fld id="{515C6D0B-E387-4CC7-80A7-49733B4F34FB}" type="datetimeFigureOut">
               <a:rPr lang="en-US" smtClean="0"/>
-              <a:t>1/18/2015</a:t>
+              <a:pPr/>
+              <a:t>1/20/2015</a:t>
             </a:fld>
             <a:endParaRPr lang="en-US"/>
           </a:p>
@@ -1960,6 +1978,7 @@
           <a:p>
             <a:fld id="{7F59A2D5-BB6B-48E4-ADA9-704A0F114892}" type="slidenum">
               <a:rPr lang="en-US" smtClean="0"/>
+              <a:pPr/>
               <a:t>‹#›</a:t>
             </a:fld>
             <a:endParaRPr lang="en-US"/>
@@ -2179,7 +2198,8 @@
           <a:p>
             <a:fld id="{515C6D0B-E387-4CC7-80A7-49733B4F34FB}" type="datetimeFigureOut">
               <a:rPr lang="en-US" smtClean="0"/>
-              <a:t>1/18/2015</a:t>
+              <a:pPr/>
+              <a:t>1/20/2015</a:t>
             </a:fld>
             <a:endParaRPr lang="en-US"/>
           </a:p>
@@ -2221,6 +2241,7 @@
           <a:p>
             <a:fld id="{7F59A2D5-BB6B-48E4-ADA9-704A0F114892}" type="slidenum">
               <a:rPr lang="en-US" smtClean="0"/>
+              <a:pPr/>
               <a:t>‹#›</a:t>
             </a:fld>
             <a:endParaRPr lang="en-US"/>
@@ -2467,7 +2488,8 @@
           <a:p>
             <a:fld id="{515C6D0B-E387-4CC7-80A7-49733B4F34FB}" type="datetimeFigureOut">
               <a:rPr lang="en-US" smtClean="0"/>
-              <a:t>1/18/2015</a:t>
+              <a:pPr/>
+              <a:t>1/20/2015</a:t>
             </a:fld>
             <a:endParaRPr lang="en-US"/>
           </a:p>
@@ -2514,6 +2536,7 @@
           <a:p>
             <a:fld id="{7F59A2D5-BB6B-48E4-ADA9-704A0F114892}" type="slidenum">
               <a:rPr lang="en-US" smtClean="0"/>
+              <a:pPr/>
               <a:t>‹#›</a:t>
             </a:fld>
             <a:endParaRPr lang="en-US"/>
@@ -3238,7 +3261,8 @@
           <a:p>
             <a:fld id="{515C6D0B-E387-4CC7-80A7-49733B4F34FB}" type="datetimeFigureOut">
               <a:rPr lang="en-US" smtClean="0"/>
-              <a:t>1/18/2015</a:t>
+              <a:pPr/>
+              <a:t>1/20/2015</a:t>
             </a:fld>
             <a:endParaRPr lang="en-US"/>
           </a:p>
@@ -3316,6 +3340,7 @@
           <a:p>
             <a:fld id="{7F59A2D5-BB6B-48E4-ADA9-704A0F114892}" type="slidenum">
               <a:rPr lang="en-US" smtClean="0"/>
+              <a:pPr/>
               <a:t>‹#›</a:t>
             </a:fld>
             <a:endParaRPr lang="en-US"/>
@@ -4063,6 +4088,163 @@
             <a:spLocks noGrp="1"/>
           </p:cNvSpPr>
           <p:nvPr>
+            <p:ph type="title"/>
+          </p:nvPr>
+        </p:nvSpPr>
+        <p:spPr>
+          <a:xfrm>
+            <a:off x="304800" y="381000"/>
+            <a:ext cx="7772400" cy="1362456"/>
+          </a:xfrm>
+        </p:spPr>
+        <p:txBody>
+          <a:bodyPr/>
+          <a:lstStyle/>
+          <a:p>
+            <a:r>
+              <a:rPr smtClean="0"/>
+              <a:t>Chall</a:t>
+            </a:r>
+            <a:r>
+              <a:rPr lang="en-US" dirty="0" smtClean="0"/>
+              <a:t>e</a:t>
+            </a:r>
+            <a:r>
+              <a:rPr smtClean="0"/>
+              <a:t>nges:</a:t>
+            </a:r>
+            <a:endParaRPr lang="en-US" dirty="0"/>
+          </a:p>
+        </p:txBody>
+      </p:sp>
+      <p:sp>
+        <p:nvSpPr>
+          <p:cNvPr id="4" name="TextBox 3"/>
+          <p:cNvSpPr txBox="1"/>
+          <p:nvPr/>
+        </p:nvSpPr>
+        <p:spPr>
+          <a:xfrm>
+            <a:off x="304800" y="1828800"/>
+            <a:ext cx="8229600" cy="2862322"/>
+          </a:xfrm>
+          <a:prstGeom prst="rect">
+            <a:avLst/>
+          </a:prstGeom>
+          <a:noFill/>
+        </p:spPr>
+        <p:txBody>
+          <a:bodyPr wrap="square" rtlCol="0">
+            <a:spAutoFit/>
+          </a:bodyPr>
+          <a:lstStyle/>
+          <a:p>
+            <a:pPr marL="342900" indent="-342900">
+              <a:buAutoNum type="arabicPeriod"/>
+            </a:pPr>
+            <a:r>
+              <a:rPr lang="en-US" dirty="0" smtClean="0"/>
+              <a:t>Some of us needed to upgrade windows (or virtual machines).</a:t>
+            </a:r>
+          </a:p>
+          <a:p>
+            <a:pPr marL="342900" indent="-342900">
+              <a:buAutoNum type="arabicPeriod"/>
+            </a:pPr>
+            <a:r>
+              <a:rPr lang="en-US" dirty="0" smtClean="0"/>
+              <a:t>Getting familiar with the azure infrastructure: numerous videos and articles.</a:t>
+            </a:r>
+          </a:p>
+          <a:p>
+            <a:pPr marL="342900" indent="-342900">
+              <a:buAutoNum type="arabicPeriod"/>
+            </a:pPr>
+            <a:r>
+              <a:rPr lang="en-US" dirty="0" smtClean="0"/>
+              <a:t>Deciding the type of  tables to use ( Blob, Table storage and SQL DB).</a:t>
+            </a:r>
+          </a:p>
+          <a:p>
+            <a:pPr marL="342900" indent="-342900">
+              <a:buAutoNum type="arabicPeriod"/>
+            </a:pPr>
+            <a:r>
+              <a:rPr lang="en-US" dirty="0" smtClean="0"/>
+              <a:t>Accessing the DB with bugs in stream and Little Endean or Big Endean differences.</a:t>
+            </a:r>
+          </a:p>
+          <a:p>
+            <a:pPr marL="342900" indent="-342900">
+              <a:buAutoNum type="arabicPeriod"/>
+            </a:pPr>
+            <a:r>
+              <a:rPr lang="en-US" dirty="0" smtClean="0"/>
+              <a:t>Coordination between the 3 team mates.</a:t>
+            </a:r>
+          </a:p>
+          <a:p>
+            <a:pPr marL="342900" indent="-342900">
+              <a:buAutoNum type="arabicPeriod"/>
+            </a:pPr>
+            <a:r>
+              <a:rPr lang="en-US" dirty="0" smtClean="0"/>
+              <a:t>Source Control (GIT).</a:t>
+            </a:r>
+          </a:p>
+          <a:p>
+            <a:pPr marL="342900" indent="-342900">
+              <a:buAutoNum type="arabicPeriod" startAt="7"/>
+            </a:pPr>
+            <a:r>
+              <a:rPr lang="en-US" dirty="0" smtClean="0"/>
+              <a:t>No help regarding the use of AZUR: we contacted Microsoft help desk.</a:t>
+            </a:r>
+          </a:p>
+          <a:p>
+            <a:pPr marL="342900" indent="-342900"/>
+            <a:endParaRPr lang="en-US" dirty="0" smtClean="0"/>
+          </a:p>
+          <a:p>
+            <a:pPr marL="342900" indent="-342900">
+              <a:buAutoNum type="arabicPeriod"/>
+            </a:pPr>
+            <a:endParaRPr lang="en-US" dirty="0"/>
+          </a:p>
+        </p:txBody>
+      </p:sp>
+    </p:spTree>
+  </p:cSld>
+  <p:clrMapOvr>
+    <a:masterClrMapping/>
+  </p:clrMapOvr>
+</p:sld>
+</file>
+
+<file path=ppt/slides/slide11.xml><?xml version="1.0" encoding="utf-8"?>
+<p:sld xmlns:a="http://schemas.openxmlformats.org/drawingml/2006/main" xmlns:r="http://schemas.openxmlformats.org/officeDocument/2006/relationships" xmlns:p="http://schemas.openxmlformats.org/presentationml/2006/main">
+  <p:cSld>
+    <p:spTree>
+      <p:nvGrpSpPr>
+        <p:cNvPr id="1" name=""/>
+        <p:cNvGrpSpPr/>
+        <p:nvPr/>
+      </p:nvGrpSpPr>
+      <p:grpSpPr>
+        <a:xfrm>
+          <a:off x="0" y="0"/>
+          <a:ext cx="0" cy="0"/>
+          <a:chOff x="0" y="0"/>
+          <a:chExt cx="0" cy="0"/>
+        </a:xfrm>
+      </p:grpSpPr>
+      <p:sp>
+        <p:nvSpPr>
+          <p:cNvPr id="2" name="כותרת 1"/>
+          <p:cNvSpPr>
+            <a:spLocks noGrp="1"/>
+          </p:cNvSpPr>
+          <p:nvPr>
             <p:ph type="ctrTitle"/>
           </p:nvPr>
         </p:nvSpPr>
@@ -4230,210 +4412,96 @@
       </p:grpSpPr>
       <p:sp>
         <p:nvSpPr>
-          <p:cNvPr id="3" name="כותרת משנה 2"/>
-          <p:cNvSpPr>
-            <a:spLocks noGrp="1"/>
-          </p:cNvSpPr>
-          <p:nvPr>
-            <p:ph type="subTitle" idx="1"/>
+          <p:cNvPr id="2" name="כותרת 1"/>
+          <p:cNvSpPr>
+            <a:spLocks noGrp="1"/>
+          </p:cNvSpPr>
+          <p:nvPr>
+            <p:ph type="title"/>
           </p:nvPr>
         </p:nvSpPr>
         <p:spPr>
           <a:xfrm>
-            <a:off x="609600" y="609600"/>
-            <a:ext cx="7854696" cy="5638800"/>
+            <a:off x="457200" y="304800"/>
+            <a:ext cx="7772400" cy="1362456"/>
+          </a:xfrm>
+        </p:spPr>
+        <p:txBody>
+          <a:bodyPr/>
+          <a:lstStyle/>
+          <a:p>
+            <a:r>
+              <a:rPr smtClean="0">
+                <a:solidFill>
+                  <a:srgbClr val="FFFF00"/>
+                </a:solidFill>
+              </a:rPr>
+              <a:t>Motivation</a:t>
+            </a:r>
+            <a:endParaRPr lang="en-US" dirty="0">
+              <a:solidFill>
+                <a:srgbClr val="FFFF00"/>
+              </a:solidFill>
+            </a:endParaRPr>
+          </a:p>
+        </p:txBody>
+      </p:sp>
+      <p:sp>
+        <p:nvSpPr>
+          <p:cNvPr id="3" name="מציין מיקום טקסט 2"/>
+          <p:cNvSpPr>
+            <a:spLocks noGrp="1"/>
+          </p:cNvSpPr>
+          <p:nvPr>
+            <p:ph type="body" idx="1"/>
+          </p:nvPr>
+        </p:nvSpPr>
+        <p:spPr>
+          <a:xfrm>
+            <a:off x="530352" y="1828800"/>
+            <a:ext cx="8308848" cy="3048000"/>
           </a:xfrm>
         </p:spPr>
         <p:txBody>
           <a:bodyPr>
-            <a:normAutofit fontScale="85000" lnSpcReduction="10000"/>
+            <a:normAutofit lnSpcReduction="10000"/>
           </a:bodyPr>
           <a:lstStyle/>
           <a:p>
-            <a:pPr algn="l"/>
             <a:r>
               <a:rPr lang="en-US" dirty="0" smtClean="0"/>
-              <a:t>Goals:</a:t>
-            </a:r>
-          </a:p>
-          <a:p>
-            <a:pPr algn="l"/>
-            <a:r>
-              <a:rPr lang="en-US" dirty="0" smtClean="0"/>
-              <a:t>- The user will have a rain strength indicator for 10, 20 and 30 minutes at his location or at other specified location.</a:t>
-            </a:r>
-          </a:p>
-          <a:p>
-            <a:pPr algn="l"/>
-            <a:r>
-              <a:rPr lang="en-US" dirty="0" smtClean="0"/>
-              <a:t>-Our </a:t>
-            </a:r>
-            <a:r>
-              <a:rPr lang="en-US" dirty="0" smtClean="0"/>
-              <a:t>application will </a:t>
-            </a:r>
-            <a:r>
-              <a:rPr lang="en-US" dirty="0" smtClean="0"/>
-              <a:t>provide </a:t>
-            </a:r>
-            <a:r>
-              <a:rPr lang="en-US" dirty="0" smtClean="0"/>
-              <a:t>a convenient platform to </a:t>
-            </a:r>
-            <a:r>
-              <a:rPr lang="en-US" dirty="0" smtClean="0"/>
-              <a:t>create, </a:t>
-            </a:r>
-            <a:r>
-              <a:rPr lang="en-US" dirty="0" smtClean="0"/>
-              <a:t>save and edit custom </a:t>
-            </a:r>
-            <a:r>
-              <a:rPr lang="en-US" dirty="0" smtClean="0"/>
-              <a:t>paths. </a:t>
-            </a:r>
-            <a:endParaRPr lang="en-US" dirty="0" smtClean="0"/>
-          </a:p>
-          <a:p>
-            <a:pPr algn="l"/>
-            <a:r>
-              <a:rPr lang="en-US" dirty="0" smtClean="0"/>
-              <a:t>-  The user will be able to view the water </a:t>
-            </a:r>
-            <a:r>
-              <a:rPr lang="en-US" dirty="0" smtClean="0"/>
-              <a:t>prediction levels </a:t>
-            </a:r>
-            <a:r>
-              <a:rPr lang="en-US" dirty="0" smtClean="0"/>
-              <a:t>on each </a:t>
-            </a:r>
-            <a:r>
-              <a:rPr lang="en-US" dirty="0" smtClean="0"/>
-              <a:t>path and to choose whether </a:t>
-            </a:r>
-            <a:r>
-              <a:rPr lang="en-US" dirty="0" smtClean="0"/>
-              <a:t>to start taking </a:t>
-            </a:r>
-            <a:r>
-              <a:rPr lang="en-US" dirty="0" smtClean="0"/>
-              <a:t>the </a:t>
-            </a:r>
-            <a:r>
-              <a:rPr lang="en-US" dirty="0" smtClean="0"/>
-              <a:t>path now, or in 10, 20 or 30 minutes. </a:t>
-            </a:r>
-          </a:p>
-          <a:p>
-            <a:pPr algn="l"/>
-            <a:r>
-              <a:rPr lang="en-US" dirty="0" smtClean="0"/>
-              <a:t>-  The user will be able to determine </a:t>
-            </a:r>
-            <a:r>
-              <a:rPr lang="en-US" dirty="0" smtClean="0"/>
-              <a:t>the way in </a:t>
-            </a:r>
-            <a:r>
-              <a:rPr lang="en-US" dirty="0" smtClean="0"/>
-              <a:t>which he </a:t>
-            </a:r>
-            <a:r>
-              <a:rPr lang="en-US" dirty="0" smtClean="0"/>
-              <a:t>travels -  </a:t>
-            </a:r>
-            <a:r>
-              <a:rPr lang="en-US" dirty="0" smtClean="0"/>
-              <a:t>by </a:t>
-            </a:r>
-            <a:r>
-              <a:rPr lang="en-US" dirty="0" smtClean="0"/>
-              <a:t>a car</a:t>
-            </a:r>
-            <a:r>
-              <a:rPr lang="en-US" dirty="0" smtClean="0"/>
-              <a:t>, by </a:t>
-            </a:r>
-            <a:r>
-              <a:rPr lang="en-US" dirty="0" smtClean="0"/>
-              <a:t>a motorcycle</a:t>
-            </a:r>
-            <a:r>
-              <a:rPr lang="en-US" dirty="0" smtClean="0"/>
-              <a:t>, </a:t>
-            </a:r>
-            <a:r>
-              <a:rPr lang="en-US" dirty="0" smtClean="0"/>
-              <a:t>by  a bike </a:t>
-            </a:r>
-            <a:r>
-              <a:rPr lang="en-US" dirty="0" smtClean="0"/>
-              <a:t>or by </a:t>
-            </a:r>
-            <a:r>
-              <a:rPr lang="en-US" dirty="0" smtClean="0"/>
-              <a:t>walking. </a:t>
-            </a:r>
-            <a:endParaRPr lang="en-US" dirty="0" smtClean="0"/>
-          </a:p>
-          <a:p>
-            <a:pPr algn="l"/>
-            <a:r>
-              <a:rPr lang="en-US" dirty="0" smtClean="0"/>
-              <a:t>-  The app will calculate an average </a:t>
-            </a:r>
-            <a:r>
-              <a:rPr lang="en-US" dirty="0" smtClean="0"/>
-              <a:t>raining amount </a:t>
-            </a:r>
-            <a:r>
-              <a:rPr lang="en-US" dirty="0" smtClean="0"/>
-              <a:t>level on each path, presenting the finds to the </a:t>
-            </a:r>
-            <a:r>
-              <a:rPr lang="en-US" dirty="0" smtClean="0"/>
-              <a:t> user</a:t>
-            </a:r>
-            <a:r>
-              <a:rPr lang="en-US" dirty="0" smtClean="0"/>
-              <a:t>. The app will also suggest which path among these paths should he take, when will </a:t>
-            </a:r>
-            <a:r>
-              <a:rPr lang="en-US" dirty="0" smtClean="0"/>
-              <a:t>he </a:t>
-            </a:r>
-            <a:r>
-              <a:rPr lang="en-US" dirty="0" smtClean="0"/>
-              <a:t>reach his destination, and when should he leave the house. </a:t>
-            </a:r>
-          </a:p>
-          <a:p>
-            <a:pPr algn="l"/>
-            <a:r>
-              <a:rPr lang="en-US" dirty="0" smtClean="0"/>
-              <a:t>- </a:t>
-            </a:r>
-            <a:r>
-              <a:rPr lang="en-US" dirty="0" smtClean="0"/>
-              <a:t> The app will provide an interface to check the estimated amount of water that rained over </a:t>
-            </a:r>
-            <a:r>
-              <a:rPr lang="en-US" dirty="0" smtClean="0"/>
-              <a:t>a </a:t>
-            </a:r>
-            <a:r>
-              <a:rPr lang="en-US" dirty="0" smtClean="0"/>
-              <a:t>given area, up to 30 days back. </a:t>
-            </a:r>
-          </a:p>
-          <a:p>
-            <a:pPr algn="l"/>
+              <a:t>During rainy days, it is a common annoyance to wait for exactly the right time to leave the house in order to avoid the rain, or at-least, reach the destination not entirely wet. People who rely heavily on bicycles, motorcycles and walking on foot to reach their destination, often have a hard time figuring the best time to leave the house, and often find out that it was a bad idea not to wait 10 more minutes. Our app will provide a solution to these problems. No longer will the user have to guess, or rely on his understanding of rain-radar maps, to decide when to leave, and how. </a:t>
+            </a:r>
+          </a:p>
+          <a:p>
             <a:endParaRPr lang="en-US" dirty="0"/>
           </a:p>
         </p:txBody>
       </p:sp>
+      <p:pic>
+        <p:nvPicPr>
+          <p:cNvPr id="5" name="תמונה 4" descr="CaughtIntheRain[1].jpg"/>
+          <p:cNvPicPr>
+            <a:picLocks noChangeAspect="1"/>
+          </p:cNvPicPr>
+          <p:nvPr/>
+        </p:nvPicPr>
+        <p:blipFill>
+          <a:blip r:embed="rId2"/>
+          <a:stretch>
+            <a:fillRect/>
+          </a:stretch>
+        </p:blipFill>
+        <p:spPr>
+          <a:xfrm>
+            <a:off x="4800600" y="4343400"/>
+            <a:ext cx="3568165" cy="2290762"/>
+          </a:xfrm>
+          <a:prstGeom prst="rect">
+            <a:avLst/>
+          </a:prstGeom>
+        </p:spPr>
+      </p:pic>
     </p:spTree>
   </p:cSld>
   <p:clrMapOvr>
@@ -4461,90 +4529,81 @@
       </p:grpSpPr>
       <p:sp>
         <p:nvSpPr>
-          <p:cNvPr id="2" name="כותרת 1"/>
-          <p:cNvSpPr>
-            <a:spLocks noGrp="1"/>
-          </p:cNvSpPr>
-          <p:nvPr>
-            <p:ph type="title"/>
-          </p:nvPr>
-        </p:nvSpPr>
-        <p:spPr/>
-        <p:txBody>
-          <a:bodyPr/>
-          <a:lstStyle/>
-          <a:p>
-            <a:r>
-              <a:rPr smtClean="0"/>
-              <a:t>Our webise:</a:t>
-            </a:r>
-            <a:br>
-              <a:rPr smtClean="0"/>
-            </a:br>
-            <a:endParaRPr lang="en-US" dirty="0"/>
-          </a:p>
-        </p:txBody>
-      </p:sp>
-      <p:sp>
-        <p:nvSpPr>
-          <p:cNvPr id="3" name="מציין מיקום טקסט 2"/>
-          <p:cNvSpPr>
-            <a:spLocks noGrp="1"/>
-          </p:cNvSpPr>
-          <p:nvPr>
-            <p:ph type="body" idx="1"/>
+          <p:cNvPr id="3" name="כותרת משנה 2"/>
+          <p:cNvSpPr>
+            <a:spLocks noGrp="1"/>
+          </p:cNvSpPr>
+          <p:nvPr>
+            <p:ph type="subTitle" idx="1"/>
           </p:nvPr>
         </p:nvSpPr>
         <p:spPr>
           <a:xfrm>
-            <a:off x="457200" y="2286000"/>
-            <a:ext cx="7772400" cy="1509712"/>
-          </a:xfrm>
-        </p:spPr>
-        <p:txBody>
-          <a:bodyPr/>
-          <a:lstStyle/>
-          <a:p>
-            <a:r>
-              <a:rPr lang="en-US" dirty="0" smtClean="0">
-                <a:solidFill>
-                  <a:srgbClr val="FFFF00"/>
-                </a:solidFill>
-              </a:rPr>
-              <a:t>http://davidl24.wix.com/rainman</a:t>
-            </a:r>
-            <a:endParaRPr lang="en-US" dirty="0">
-              <a:solidFill>
-                <a:srgbClr val="FFFF00"/>
-              </a:solidFill>
-            </a:endParaRPr>
-          </a:p>
-        </p:txBody>
-      </p:sp>
-      <p:pic>
-        <p:nvPicPr>
-          <p:cNvPr id="4" name="תמונה 3" descr="Screen Shot 2015-01-18 at 1.17.56 AM.png"/>
-          <p:cNvPicPr>
-            <a:picLocks noChangeAspect="1"/>
-          </p:cNvPicPr>
-          <p:nvPr/>
-        </p:nvPicPr>
-        <p:blipFill>
-          <a:blip r:embed="rId2"/>
-          <a:stretch>
-            <a:fillRect/>
-          </a:stretch>
-        </p:blipFill>
-        <p:spPr>
-          <a:xfrm>
-            <a:off x="2362200" y="2905191"/>
-            <a:ext cx="6477000" cy="3571809"/>
-          </a:xfrm>
-          <a:prstGeom prst="rect">
-            <a:avLst/>
-          </a:prstGeom>
-        </p:spPr>
-      </p:pic>
+            <a:off x="609600" y="609600"/>
+            <a:ext cx="7854696" cy="5638800"/>
+          </a:xfrm>
+        </p:spPr>
+        <p:txBody>
+          <a:bodyPr>
+            <a:normAutofit fontScale="85000" lnSpcReduction="10000"/>
+          </a:bodyPr>
+          <a:lstStyle/>
+          <a:p>
+            <a:pPr algn="l"/>
+            <a:r>
+              <a:rPr lang="en-US" dirty="0" smtClean="0"/>
+              <a:t>The features of our app:</a:t>
+            </a:r>
+            <a:endParaRPr lang="en-US" dirty="0" smtClean="0"/>
+          </a:p>
+          <a:p>
+            <a:pPr algn="l"/>
+            <a:r>
+              <a:rPr lang="en-US" dirty="0" smtClean="0"/>
+              <a:t>- The user will have a rain strength indicator for 10, 20 and 30 minutes at his location or at other specified location.</a:t>
+            </a:r>
+          </a:p>
+          <a:p>
+            <a:pPr algn="l"/>
+            <a:r>
+              <a:rPr lang="en-US" dirty="0" smtClean="0"/>
+              <a:t>-Our application will provide a convenient platform to create, save and edit custom paths. </a:t>
+            </a:r>
+          </a:p>
+          <a:p>
+            <a:pPr algn="l"/>
+            <a:r>
+              <a:rPr lang="en-US" dirty="0" smtClean="0"/>
+              <a:t>-  The user will be able to view the water prediction levels on each path and to choose whether to start taking the path now, or in 10, 20 or 30 minutes. </a:t>
+            </a:r>
+          </a:p>
+          <a:p>
+            <a:pPr algn="l"/>
+            <a:r>
+              <a:rPr lang="en-US" dirty="0" smtClean="0"/>
+              <a:t>-  The user will be able to determine the way in which he travels -  by a car, by a motorcycle, by  a bike or by walking. </a:t>
+            </a:r>
+          </a:p>
+          <a:p>
+            <a:pPr algn="l"/>
+            <a:r>
+              <a:rPr lang="en-US" dirty="0" smtClean="0"/>
+              <a:t>-  The app will calculate an average raining amount level on each path, presenting the finds to the  user. The app will also suggest which path among these paths should he take, when will he reach his destination, and when should he leave the house. </a:t>
+            </a:r>
+          </a:p>
+          <a:p>
+            <a:pPr algn="l"/>
+            <a:r>
+              <a:rPr lang="en-US" dirty="0" smtClean="0"/>
+              <a:t>-  The app will provide an interface to check the estimated amount of water that rained over a given area, up to 30 days back. </a:t>
+            </a:r>
+          </a:p>
+          <a:p>
+            <a:pPr algn="l"/>
+            <a:endParaRPr lang="en-US" dirty="0"/>
+          </a:p>
+        </p:txBody>
+      </p:sp>
     </p:spTree>
   </p:cSld>
   <p:clrMapOvr>
@@ -4587,62 +4646,73 @@
           <a:p>
             <a:r>
               <a:rPr smtClean="0"/>
-              <a:t>Let's watch  a demo video of the app..</a:t>
-            </a:r>
+              <a:t>Our webise:</a:t>
+            </a:r>
+            <a:br>
+              <a:rPr smtClean="0"/>
+            </a:br>
             <a:endParaRPr lang="en-US" dirty="0"/>
+          </a:p>
+        </p:txBody>
+      </p:sp>
+      <p:sp>
+        <p:nvSpPr>
+          <p:cNvPr id="3" name="מציין מיקום טקסט 2"/>
+          <p:cNvSpPr>
+            <a:spLocks noGrp="1"/>
+          </p:cNvSpPr>
+          <p:nvPr>
+            <p:ph type="body" idx="1"/>
+          </p:nvPr>
+        </p:nvSpPr>
+        <p:spPr>
+          <a:xfrm>
+            <a:off x="457200" y="2286000"/>
+            <a:ext cx="7772400" cy="1509712"/>
+          </a:xfrm>
+        </p:spPr>
+        <p:txBody>
+          <a:bodyPr/>
+          <a:lstStyle/>
+          <a:p>
+            <a:r>
+              <a:rPr lang="en-US" dirty="0" smtClean="0">
+                <a:solidFill>
+                  <a:srgbClr val="FFFF00"/>
+                </a:solidFill>
+              </a:rPr>
+              <a:t>http://davidl24.wix.com/rainman</a:t>
+            </a:r>
+            <a:endParaRPr lang="en-US" dirty="0">
+              <a:solidFill>
+                <a:srgbClr val="FFFF00"/>
+              </a:solidFill>
+            </a:endParaRPr>
           </a:p>
         </p:txBody>
       </p:sp>
       <p:pic>
         <p:nvPicPr>
-          <p:cNvPr id="2050" name="Picture 2" descr="C:\Users\shacharpooyae\Documents\rainapp_screens\GroupView.png"/>
+          <p:cNvPr id="4" name="תמונה 3" descr="Screen Shot 2015-01-18 at 1.17.56 AM.png"/>
           <p:cNvPicPr>
-            <a:picLocks noChangeAspect="1" noChangeArrowheads="1"/>
+            <a:picLocks noChangeAspect="1"/>
           </p:cNvPicPr>
           <p:nvPr/>
         </p:nvPicPr>
         <p:blipFill>
           <a:blip r:embed="rId2"/>
-          <a:srcRect/>
           <a:stretch>
             <a:fillRect/>
           </a:stretch>
         </p:blipFill>
-        <p:spPr bwMode="auto">
+        <p:spPr>
           <a:xfrm>
-            <a:off x="4800600" y="2997200"/>
-            <a:ext cx="1676400" cy="2794000"/>
+            <a:off x="2362200" y="2905191"/>
+            <a:ext cx="6477000" cy="3571809"/>
           </a:xfrm>
           <a:prstGeom prst="rect">
             <a:avLst/>
           </a:prstGeom>
-          <a:noFill/>
-        </p:spPr>
-      </p:pic>
-      <p:pic>
-        <p:nvPicPr>
-          <p:cNvPr id="2051" name="Picture 3" descr="C:\Users\shacharpooyae\Documents\rainapp_screens\pathForGroup.png"/>
-          <p:cNvPicPr>
-            <a:picLocks noChangeAspect="1" noChangeArrowheads="1"/>
-          </p:cNvPicPr>
-          <p:nvPr/>
-        </p:nvPicPr>
-        <p:blipFill>
-          <a:blip r:embed="rId3"/>
-          <a:srcRect/>
-          <a:stretch>
-            <a:fillRect/>
-          </a:stretch>
-        </p:blipFill>
-        <p:spPr bwMode="auto">
-          <a:xfrm>
-            <a:off x="1600200" y="2971800"/>
-            <a:ext cx="1691640" cy="2819400"/>
-          </a:xfrm>
-          <a:prstGeom prst="rect">
-            <a:avLst/>
-          </a:prstGeom>
-          <a:noFill/>
         </p:spPr>
       </p:pic>
     </p:spTree>
@@ -4672,158 +4742,77 @@
       </p:grpSpPr>
       <p:sp>
         <p:nvSpPr>
-          <p:cNvPr id="5" name="TextBox 4"/>
-          <p:cNvSpPr txBox="1"/>
-          <p:nvPr/>
-        </p:nvSpPr>
-        <p:spPr>
-          <a:xfrm>
-            <a:off x="762000" y="381000"/>
-            <a:ext cx="7543800" cy="3139321"/>
-          </a:xfrm>
-          <a:prstGeom prst="rect">
-            <a:avLst/>
-          </a:prstGeom>
-          <a:noFill/>
-        </p:spPr>
-        <p:txBody>
-          <a:bodyPr wrap="square" rtlCol="0">
-            <a:spAutoFit/>
-          </a:bodyPr>
-          <a:lstStyle/>
-          <a:p>
-            <a:r>
-              <a:rPr lang="en-US" dirty="0" smtClean="0"/>
-              <a:t>Technologies:</a:t>
-            </a:r>
-          </a:p>
-          <a:p>
-            <a:r>
-              <a:rPr lang="en-US" dirty="0" smtClean="0"/>
-              <a:t>For the server side:</a:t>
-            </a:r>
-          </a:p>
-          <a:p>
-            <a:r>
-              <a:rPr lang="en-US" dirty="0" smtClean="0"/>
-              <a:t>We use a </a:t>
-            </a:r>
-            <a:r>
-              <a:rPr lang="en-US" u="sng" dirty="0" smtClean="0"/>
-              <a:t>mobile service </a:t>
-            </a:r>
-            <a:r>
-              <a:rPr lang="en-US" dirty="0" smtClean="0"/>
-              <a:t>to accommodate to following needs:</a:t>
-            </a:r>
-          </a:p>
-          <a:p>
-            <a:pPr marL="342900" indent="-342900">
-              <a:buAutoNum type="arabicPeriod"/>
-            </a:pPr>
-            <a:r>
-              <a:rPr lang="en-US" dirty="0" smtClean="0"/>
-              <a:t>Maintain the </a:t>
-            </a:r>
-            <a:r>
-              <a:rPr lang="en-US" u="sng" dirty="0" smtClean="0"/>
-              <a:t>tables </a:t>
-            </a:r>
-            <a:r>
-              <a:rPr lang="en-US" dirty="0" smtClean="0"/>
-              <a:t>for the application which include the paths, the user info, etc.</a:t>
-            </a:r>
-          </a:p>
-          <a:p>
-            <a:pPr marL="342900" indent="-342900">
-              <a:buAutoNum type="arabicPeriod"/>
-            </a:pPr>
-            <a:r>
-              <a:rPr lang="en-US" dirty="0" smtClean="0"/>
-              <a:t>API’s for the client. For example, an API for calculating the total amount of rain that poured over specific area over a period of time</a:t>
-            </a:r>
-            <a:endParaRPr lang="he-IL" dirty="0" smtClean="0"/>
-          </a:p>
-          <a:p>
-            <a:pPr marL="342900" indent="-342900">
-              <a:buAutoNum type="arabicPeriod"/>
-            </a:pPr>
-            <a:r>
-              <a:rPr lang="he-IL" dirty="0"/>
-              <a:t> </a:t>
-            </a:r>
-            <a:r>
-              <a:rPr lang="en-US" dirty="0" smtClean="0"/>
-              <a:t>Download pictures form the IMS and insert them to the </a:t>
-            </a:r>
-            <a:r>
-              <a:rPr lang="en-US" u="sng" dirty="0" smtClean="0"/>
-              <a:t>Blob storage, </a:t>
-            </a:r>
-            <a:endParaRPr lang="en-US" u="sng" dirty="0"/>
-          </a:p>
-          <a:p>
-            <a:pPr marL="342900" indent="-342900"/>
-            <a:r>
-              <a:rPr lang="en-US" dirty="0" smtClean="0"/>
-              <a:t>	using </a:t>
-            </a:r>
-            <a:r>
-              <a:rPr lang="en-US" u="sng" dirty="0" smtClean="0"/>
-              <a:t>Scheduled Jobs</a:t>
-            </a:r>
-          </a:p>
-          <a:p>
-            <a:pPr marL="342900" indent="-342900"/>
-            <a:r>
-              <a:rPr lang="en-US" dirty="0" smtClean="0"/>
-              <a:t>4. </a:t>
-            </a:r>
-            <a:r>
-              <a:rPr lang="en-US" dirty="0" smtClean="0"/>
-              <a:t>Provide a convenient way of authorizing clients (</a:t>
-            </a:r>
-            <a:r>
-              <a:rPr lang="en-US" dirty="0" err="1"/>
-              <a:t>F</a:t>
-            </a:r>
-            <a:r>
-              <a:rPr lang="en-US" dirty="0" err="1" smtClean="0"/>
-              <a:t>acebook</a:t>
-            </a:r>
-            <a:r>
-              <a:rPr lang="en-US" dirty="0" smtClean="0"/>
-              <a:t>/Google)</a:t>
-            </a:r>
-          </a:p>
-          <a:p>
-            <a:pPr marL="342900" indent="-342900"/>
+          <p:cNvPr id="2" name="כותרת 1"/>
+          <p:cNvSpPr>
+            <a:spLocks noGrp="1"/>
+          </p:cNvSpPr>
+          <p:nvPr>
+            <p:ph type="title"/>
+          </p:nvPr>
+        </p:nvSpPr>
+        <p:spPr/>
+        <p:txBody>
+          <a:bodyPr/>
+          <a:lstStyle/>
+          <a:p>
+            <a:r>
+              <a:rPr smtClean="0"/>
+              <a:t>Let's watch  a demo video of the app..</a:t>
+            </a:r>
             <a:endParaRPr lang="en-US" dirty="0"/>
           </a:p>
         </p:txBody>
       </p:sp>
       <p:pic>
         <p:nvPicPr>
-          <p:cNvPr id="6" name="תמונה 5" descr="Screen Shot 2015-01-18 at 1.32.48 AM.png"/>
+          <p:cNvPr id="2050" name="Picture 2" descr="C:\Users\shacharpooyae\Documents\rainapp_screens\GroupView.png"/>
           <p:cNvPicPr>
-            <a:picLocks noChangeAspect="1"/>
+            <a:picLocks noChangeAspect="1" noChangeArrowheads="1"/>
           </p:cNvPicPr>
           <p:nvPr/>
         </p:nvPicPr>
         <p:blipFill>
           <a:blip r:embed="rId2"/>
+          <a:srcRect/>
           <a:stretch>
             <a:fillRect/>
           </a:stretch>
         </p:blipFill>
-        <p:spPr>
+        <p:spPr bwMode="auto">
           <a:xfrm>
-            <a:off x="1981200" y="3429000"/>
-            <a:ext cx="4941090" cy="3060314"/>
+            <a:off x="4800600" y="2997200"/>
+            <a:ext cx="1676400" cy="2794000"/>
           </a:xfrm>
           <a:prstGeom prst="rect">
             <a:avLst/>
           </a:prstGeom>
+          <a:noFill/>
+        </p:spPr>
+      </p:pic>
+      <p:pic>
+        <p:nvPicPr>
+          <p:cNvPr id="2051" name="Picture 3" descr="C:\Users\shacharpooyae\Documents\rainapp_screens\pathForGroup.png"/>
+          <p:cNvPicPr>
+            <a:picLocks noChangeAspect="1" noChangeArrowheads="1"/>
+          </p:cNvPicPr>
+          <p:nvPr/>
+        </p:nvPicPr>
+        <p:blipFill>
+          <a:blip r:embed="rId3"/>
+          <a:srcRect/>
+          <a:stretch>
+            <a:fillRect/>
+          </a:stretch>
+        </p:blipFill>
+        <p:spPr bwMode="auto">
+          <a:xfrm>
+            <a:off x="1600200" y="2971800"/>
+            <a:ext cx="1691640" cy="2819400"/>
+          </a:xfrm>
+          <a:prstGeom prst="rect">
+            <a:avLst/>
+          </a:prstGeom>
+          <a:noFill/>
         </p:spPr>
       </p:pic>
     </p:spTree>
@@ -4853,57 +4842,14 @@
       </p:grpSpPr>
       <p:sp>
         <p:nvSpPr>
-          <p:cNvPr id="2" name="כותרת 1"/>
-          <p:cNvSpPr>
-            <a:spLocks noGrp="1"/>
-          </p:cNvSpPr>
-          <p:nvPr>
-            <p:ph type="title"/>
-          </p:nvPr>
+          <p:cNvPr id="5" name="TextBox 4"/>
+          <p:cNvSpPr txBox="1"/>
+          <p:nvPr/>
         </p:nvSpPr>
         <p:spPr>
           <a:xfrm>
-            <a:off x="457200" y="533400"/>
-            <a:ext cx="7772400" cy="1362456"/>
-          </a:xfrm>
-        </p:spPr>
-        <p:txBody>
-          <a:bodyPr/>
-          <a:lstStyle/>
-          <a:p>
-            <a:r>
-              <a:rPr smtClean="0">
-                <a:solidFill>
-                  <a:srgbClr val="FFFF00"/>
-                </a:solidFill>
-              </a:rPr>
-              <a:t>Blob Sorage:</a:t>
-            </a:r>
-            <a:br>
-              <a:rPr smtClean="0">
-                <a:solidFill>
-                  <a:srgbClr val="FFFF00"/>
-                </a:solidFill>
-              </a:rPr>
-            </a:br>
-            <a:endParaRPr lang="en-US" dirty="0">
-              <a:solidFill>
-                <a:srgbClr val="FFFF00"/>
-              </a:solidFill>
-            </a:endParaRPr>
-          </a:p>
-        </p:txBody>
-      </p:sp>
-      <p:sp>
-        <p:nvSpPr>
-          <p:cNvPr id="4" name="TextBox 3"/>
-          <p:cNvSpPr txBox="1"/>
-          <p:nvPr/>
-        </p:nvSpPr>
-        <p:spPr>
-          <a:xfrm>
-            <a:off x="533400" y="1295400"/>
-            <a:ext cx="7543800" cy="1200329"/>
+            <a:off x="762000" y="381000"/>
+            <a:ext cx="7543800" cy="3139321"/>
           </a:xfrm>
           <a:prstGeom prst="rect">
             <a:avLst/>
@@ -4918,17 +4864,113 @@
           <a:p>
             <a:r>
               <a:rPr lang="en-US" dirty="0" smtClean="0"/>
-              <a:t>This is our main storage for storing the images. We use it from the Linux VM and from the mobile service. It can handle images much better than the table storage or the SQL DB.</a:t>
-            </a:r>
-          </a:p>
-          <a:p>
+              <a:t>Technologies:</a:t>
+            </a:r>
+          </a:p>
+          <a:p>
+            <a:r>
+              <a:rPr lang="en-US" dirty="0" smtClean="0"/>
+              <a:t>For the server side:</a:t>
+            </a:r>
+          </a:p>
+          <a:p>
+            <a:r>
+              <a:rPr lang="en-US" dirty="0" smtClean="0"/>
+              <a:t>We use a </a:t>
+            </a:r>
+            <a:r>
+              <a:rPr lang="en-US" u="sng" dirty="0" smtClean="0"/>
+              <a:t>mobile service </a:t>
+            </a:r>
+            <a:r>
+              <a:rPr lang="en-US" dirty="0" smtClean="0"/>
+              <a:t>to accommodate to following needs:</a:t>
+            </a:r>
+          </a:p>
+          <a:p>
+            <a:pPr marL="342900" indent="-342900">
+              <a:buAutoNum type="arabicPeriod"/>
+            </a:pPr>
+            <a:r>
+              <a:rPr lang="en-US" dirty="0" smtClean="0"/>
+              <a:t>Maintain the </a:t>
+            </a:r>
+            <a:r>
+              <a:rPr lang="en-US" u="sng" dirty="0" smtClean="0"/>
+              <a:t>tables </a:t>
+            </a:r>
+            <a:r>
+              <a:rPr lang="en-US" dirty="0" smtClean="0"/>
+              <a:t>for the application which include the paths, the user info, etc.</a:t>
+            </a:r>
+          </a:p>
+          <a:p>
+            <a:pPr marL="342900" indent="-342900">
+              <a:buAutoNum type="arabicPeriod"/>
+            </a:pPr>
+            <a:r>
+              <a:rPr lang="en-US" dirty="0" smtClean="0"/>
+              <a:t>API’s for the client. For example, an API for calculating the total amount of rain that poured over specific area over a period of time</a:t>
+            </a:r>
+            <a:endParaRPr lang="he-IL" dirty="0" smtClean="0"/>
+          </a:p>
+          <a:p>
+            <a:pPr marL="342900" indent="-342900">
+              <a:buAutoNum type="arabicPeriod"/>
+            </a:pPr>
+            <a:r>
+              <a:rPr lang="he-IL" dirty="0"/>
+              <a:t> </a:t>
+            </a:r>
+            <a:r>
+              <a:rPr lang="en-US" dirty="0" smtClean="0"/>
+              <a:t>Download pictures form the IMS and insert them to the </a:t>
+            </a:r>
+            <a:r>
+              <a:rPr lang="en-US" u="sng" dirty="0" smtClean="0"/>
+              <a:t>Blob storage, </a:t>
+            </a:r>
+            <a:endParaRPr lang="en-US" u="sng" dirty="0"/>
+          </a:p>
+          <a:p>
+            <a:pPr marL="342900" indent="-342900"/>
+            <a:r>
+              <a:rPr lang="en-US" dirty="0" smtClean="0"/>
+              <a:t>	using </a:t>
+            </a:r>
+            <a:r>
+              <a:rPr lang="en-US" u="sng" dirty="0" smtClean="0"/>
+              <a:t>Scheduled Jobs</a:t>
+            </a:r>
+          </a:p>
+          <a:p>
+            <a:pPr marL="342900" indent="-342900"/>
+            <a:r>
+              <a:rPr lang="en-US" dirty="0" smtClean="0"/>
+              <a:t>4. Provide a convenient way of authorizing clients (</a:t>
+            </a:r>
+            <a:r>
+              <a:rPr lang="en-US" dirty="0" err="1"/>
+              <a:t>F</a:t>
+            </a:r>
+            <a:r>
+              <a:rPr lang="en-US" dirty="0" err="1" smtClean="0"/>
+              <a:t>acebook</a:t>
+            </a:r>
+            <a:r>
+              <a:rPr lang="en-US" dirty="0" smtClean="0"/>
+              <a:t>/Google)</a:t>
+            </a:r>
+          </a:p>
+          <a:p>
+            <a:pPr marL="342900" indent="-342900"/>
             <a:endParaRPr lang="en-US" dirty="0"/>
           </a:p>
         </p:txBody>
       </p:sp>
       <p:pic>
         <p:nvPicPr>
-          <p:cNvPr id="5" name="תמונה 4" descr="Screen Shot 2015-01-18 at 1.35.07 AM.png"/>
+          <p:cNvPr id="6" name="תמונה 5" descr="Screen Shot 2015-01-18 at 1.32.48 AM.png"/>
           <p:cNvPicPr>
             <a:picLocks noChangeAspect="1"/>
           </p:cNvPicPr>
@@ -4942,8 +4984,8 @@
         </p:blipFill>
         <p:spPr>
           <a:xfrm>
-            <a:off x="1524000" y="2743200"/>
-            <a:ext cx="5707086" cy="3831251"/>
+            <a:off x="1981200" y="3429000"/>
+            <a:ext cx="4941090" cy="3060314"/>
           </a:xfrm>
           <a:prstGeom prst="rect">
             <a:avLst/>
@@ -4977,14 +5019,57 @@
       </p:grpSpPr>
       <p:sp>
         <p:nvSpPr>
-          <p:cNvPr id="5" name="TextBox 4"/>
+          <p:cNvPr id="2" name="כותרת 1"/>
+          <p:cNvSpPr>
+            <a:spLocks noGrp="1"/>
+          </p:cNvSpPr>
+          <p:nvPr>
+            <p:ph type="title"/>
+          </p:nvPr>
+        </p:nvSpPr>
+        <p:spPr>
+          <a:xfrm>
+            <a:off x="457200" y="533400"/>
+            <a:ext cx="7772400" cy="1362456"/>
+          </a:xfrm>
+        </p:spPr>
+        <p:txBody>
+          <a:bodyPr/>
+          <a:lstStyle/>
+          <a:p>
+            <a:r>
+              <a:rPr smtClean="0">
+                <a:solidFill>
+                  <a:srgbClr val="FFFF00"/>
+                </a:solidFill>
+              </a:rPr>
+              <a:t>Blob Sorage:</a:t>
+            </a:r>
+            <a:br>
+              <a:rPr smtClean="0">
+                <a:solidFill>
+                  <a:srgbClr val="FFFF00"/>
+                </a:solidFill>
+              </a:rPr>
+            </a:br>
+            <a:endParaRPr lang="en-US" dirty="0">
+              <a:solidFill>
+                <a:srgbClr val="FFFF00"/>
+              </a:solidFill>
+            </a:endParaRPr>
+          </a:p>
+        </p:txBody>
+      </p:sp>
+      <p:sp>
+        <p:nvSpPr>
+          <p:cNvPr id="4" name="TextBox 3"/>
           <p:cNvSpPr txBox="1"/>
           <p:nvPr/>
         </p:nvSpPr>
         <p:spPr>
           <a:xfrm>
-            <a:off x="685800" y="838200"/>
-            <a:ext cx="7391400" cy="3139321"/>
+            <a:off x="533400" y="1295400"/>
+            <a:ext cx="7543800" cy="1200329"/>
           </a:xfrm>
           <a:prstGeom prst="rect">
             <a:avLst/>
@@ -4997,173 +5082,40 @@
           </a:bodyPr>
           <a:lstStyle/>
           <a:p>
-            <a:endParaRPr lang="en-US" dirty="0" smtClean="0"/>
-          </a:p>
-          <a:p>
             <a:r>
               <a:rPr lang="en-US" dirty="0" smtClean="0"/>
-              <a:t>Services:</a:t>
-            </a:r>
+              <a:t>This is our main storage for storing the images. We use it from the Linux VM and from the mobile service. It can handle images much better than the table storage or the SQL DB.</a:t>
+            </a:r>
+          </a:p>
+          <a:p>
             <a:endParaRPr lang="en-US" dirty="0"/>
           </a:p>
-          <a:p>
-            <a:endParaRPr lang="en-US" dirty="0" smtClean="0"/>
-          </a:p>
-          <a:p>
-            <a:pPr>
-              <a:buFontTx/>
-              <a:buChar char="-"/>
-            </a:pPr>
-            <a:r>
-              <a:rPr lang="en-US" dirty="0" smtClean="0"/>
-              <a:t>connection </a:t>
-            </a:r>
-            <a:r>
-              <a:rPr lang="en-US" dirty="0"/>
-              <a:t>between VM and blob service with </a:t>
-            </a:r>
-            <a:r>
-              <a:rPr lang="en-US" dirty="0" smtClean="0"/>
-              <a:t>a known library</a:t>
-            </a:r>
-          </a:p>
-          <a:p>
-            <a:r>
-              <a:rPr lang="en-US" dirty="0" smtClean="0"/>
-              <a:t>-</a:t>
-            </a:r>
-            <a:r>
-              <a:rPr lang="en-US" dirty="0"/>
-              <a:t>image processing :</a:t>
-            </a:r>
-            <a:endParaRPr lang="en-US" dirty="0" smtClean="0"/>
-          </a:p>
-          <a:p>
-            <a:pPr>
-              <a:buFontTx/>
-              <a:buChar char="-"/>
-            </a:pPr>
-            <a:r>
-              <a:rPr lang="en-US" dirty="0" smtClean="0"/>
-              <a:t>radar off</a:t>
-            </a:r>
-          </a:p>
-          <a:p>
-            <a:pPr lvl="1">
-              <a:buFontTx/>
-              <a:buChar char="-"/>
-            </a:pPr>
-            <a:r>
-              <a:rPr lang="en-US" dirty="0" smtClean="0"/>
-              <a:t>-</a:t>
-            </a:r>
-            <a:r>
-              <a:rPr lang="en-US" dirty="0"/>
-              <a:t>image processing : black dots (neighbors median </a:t>
-            </a:r>
-            <a:r>
-              <a:rPr lang="en-US" dirty="0" err="1"/>
-              <a:t>hsv</a:t>
-            </a:r>
-            <a:r>
-              <a:rPr lang="en-US" dirty="0"/>
-              <a:t>) , difference to </a:t>
-            </a:r>
-            <a:endParaRPr lang="en-US" dirty="0" smtClean="0"/>
-          </a:p>
-          <a:p>
-            <a:pPr>
-              <a:buFontTx/>
-              <a:buChar char="-"/>
-            </a:pPr>
-            <a:r>
-              <a:rPr lang="en-US" dirty="0" smtClean="0"/>
-              <a:t>-</a:t>
-            </a:r>
-            <a:r>
-              <a:rPr lang="en-US" dirty="0"/>
-              <a:t>location to </a:t>
-            </a:r>
-            <a:r>
-              <a:rPr lang="en-US" dirty="0" smtClean="0"/>
-              <a:t>pixel:</a:t>
-            </a:r>
-          </a:p>
-          <a:p>
-            <a:pPr lvl="1" algn="l"/>
-            <a:r>
-              <a:rPr lang="en-US" dirty="0" smtClean="0"/>
-              <a:t>-</a:t>
-            </a:r>
-            <a:r>
-              <a:rPr lang="en-US" dirty="0"/>
-              <a:t>pixel matching between two </a:t>
-            </a:r>
-            <a:r>
-              <a:rPr lang="en-US" dirty="0" smtClean="0"/>
-              <a:t>picture</a:t>
-            </a:r>
-          </a:p>
-          <a:p>
-            <a:pPr lvl="1" algn="l"/>
-            <a:endParaRPr lang="en-US" dirty="0" smtClean="0"/>
-          </a:p>
-        </p:txBody>
-      </p:sp>
-      <p:sp>
-        <p:nvSpPr>
-          <p:cNvPr id="6" name="TextBox 5"/>
-          <p:cNvSpPr txBox="1"/>
+        </p:txBody>
+      </p:sp>
+      <p:pic>
+        <p:nvPicPr>
+          <p:cNvPr id="5" name="תמונה 4" descr="Screen Shot 2015-01-18 at 1.35.07 AM.png"/>
+          <p:cNvPicPr>
+            <a:picLocks noChangeAspect="1"/>
+          </p:cNvPicPr>
           <p:nvPr/>
-        </p:nvSpPr>
+        </p:nvPicPr>
+        <p:blipFill>
+          <a:blip r:embed="rId2"/>
+          <a:stretch>
+            <a:fillRect/>
+          </a:stretch>
+        </p:blipFill>
         <p:spPr>
           <a:xfrm>
-            <a:off x="838200" y="3581400"/>
-            <a:ext cx="7162800" cy="1754326"/>
+            <a:off x="1524000" y="2743200"/>
+            <a:ext cx="5707086" cy="3831251"/>
           </a:xfrm>
           <a:prstGeom prst="rect">
             <a:avLst/>
           </a:prstGeom>
-          <a:noFill/>
-        </p:spPr>
-        <p:txBody>
-          <a:bodyPr wrap="square" rtlCol="0">
-            <a:spAutoFit/>
-          </a:bodyPr>
-          <a:lstStyle/>
-          <a:p>
-            <a:pPr marL="0" lvl="1"/>
-            <a:r>
-              <a:rPr lang="en-US" dirty="0" smtClean="0"/>
-              <a:t>-pixel to color :</a:t>
-            </a:r>
-          </a:p>
-          <a:p>
-            <a:pPr marL="0" lvl="1"/>
-            <a:r>
-              <a:rPr lang="en-US" dirty="0" smtClean="0"/>
-              <a:t>	-hue (360 degrees. Hue in the HSB/HSL encodings of RGB picture)</a:t>
-            </a:r>
-          </a:p>
-          <a:p>
-            <a:pPr marL="0" lvl="1"/>
-            <a:r>
-              <a:rPr lang="en-US" dirty="0" smtClean="0"/>
-              <a:t>	-two Continuous hue parts in the original bar. </a:t>
-            </a:r>
-          </a:p>
-          <a:p>
-            <a:pPr marL="0" lvl="1"/>
-            <a:r>
-              <a:rPr lang="en-US" dirty="0" smtClean="0"/>
-              <a:t>	-linear between delimiters assumption ,</a:t>
-            </a:r>
-          </a:p>
-          <a:p>
-            <a:endParaRPr lang="en-US" dirty="0"/>
-          </a:p>
-        </p:txBody>
-      </p:sp>
+        </p:spPr>
+      </p:pic>
     </p:spTree>
   </p:cSld>
   <p:clrMapOvr>
@@ -5191,37 +5143,190 @@
       </p:grpSpPr>
       <p:sp>
         <p:nvSpPr>
-          <p:cNvPr id="2" name="כותרת 1"/>
-          <p:cNvSpPr>
-            <a:spLocks noGrp="1"/>
-          </p:cNvSpPr>
-          <p:nvPr>
-            <p:ph type="title"/>
-          </p:nvPr>
+          <p:cNvPr id="5" name="TextBox 4"/>
+          <p:cNvSpPr txBox="1"/>
+          <p:nvPr/>
         </p:nvSpPr>
         <p:spPr>
           <a:xfrm>
-            <a:off x="533400" y="457200"/>
-            <a:ext cx="7772400" cy="1362456"/>
-          </a:xfrm>
-        </p:spPr>
-        <p:txBody>
-          <a:bodyPr/>
-          <a:lstStyle/>
-          <a:p>
-            <a:r>
-              <a:rPr smtClean="0">
-                <a:solidFill>
-                  <a:srgbClr val="FFFF00"/>
-                </a:solidFill>
-              </a:rPr>
-              <a:t>UI</a:t>
-            </a:r>
-            <a:endParaRPr lang="en-US" dirty="0">
-              <a:solidFill>
-                <a:srgbClr val="FFFF00"/>
-              </a:solidFill>
-            </a:endParaRPr>
+            <a:off x="685800" y="838200"/>
+            <a:ext cx="7391400" cy="3139321"/>
+          </a:xfrm>
+          <a:prstGeom prst="rect">
+            <a:avLst/>
+          </a:prstGeom>
+          <a:noFill/>
+        </p:spPr>
+        <p:txBody>
+          <a:bodyPr wrap="square" rtlCol="0">
+            <a:spAutoFit/>
+          </a:bodyPr>
+          <a:lstStyle/>
+          <a:p>
+            <a:endParaRPr lang="en-US" dirty="0" smtClean="0"/>
+          </a:p>
+          <a:p>
+            <a:r>
+              <a:rPr lang="en-US" dirty="0" smtClean="0"/>
+              <a:t>Services:</a:t>
+            </a:r>
+            <a:endParaRPr lang="en-US" dirty="0"/>
+          </a:p>
+          <a:p>
+            <a:endParaRPr lang="en-US" dirty="0" smtClean="0"/>
+          </a:p>
+          <a:p>
+            <a:pPr>
+              <a:buFontTx/>
+              <a:buChar char="-"/>
+            </a:pPr>
+            <a:r>
+              <a:rPr lang="en-US" dirty="0" smtClean="0"/>
+              <a:t>connection </a:t>
+            </a:r>
+            <a:r>
+              <a:rPr lang="en-US" dirty="0"/>
+              <a:t>between VM and blob service with </a:t>
+            </a:r>
+            <a:r>
+              <a:rPr lang="en-US" dirty="0" smtClean="0"/>
+              <a:t>a known library</a:t>
+            </a:r>
+          </a:p>
+          <a:p>
+            <a:r>
+              <a:rPr lang="en-US" dirty="0" smtClean="0"/>
+              <a:t>-</a:t>
+            </a:r>
+            <a:r>
+              <a:rPr lang="en-US" dirty="0"/>
+              <a:t>image processing :</a:t>
+            </a:r>
+            <a:endParaRPr lang="en-US" dirty="0" smtClean="0"/>
+          </a:p>
+          <a:p>
+            <a:pPr>
+              <a:buFontTx/>
+              <a:buChar char="-"/>
+            </a:pPr>
+            <a:r>
+              <a:rPr lang="en-US" dirty="0" smtClean="0"/>
+              <a:t>radar off</a:t>
+            </a:r>
+          </a:p>
+          <a:p>
+            <a:pPr lvl="1">
+              <a:buFontTx/>
+              <a:buChar char="-"/>
+            </a:pPr>
+            <a:r>
+              <a:rPr lang="en-US" dirty="0" smtClean="0"/>
+              <a:t>-</a:t>
+            </a:r>
+            <a:r>
+              <a:rPr lang="en-US" dirty="0"/>
+              <a:t>image processing : black dots (neighbors median </a:t>
+            </a:r>
+            <a:r>
+              <a:rPr lang="en-US" dirty="0" err="1"/>
+              <a:t>hsv</a:t>
+            </a:r>
+            <a:r>
+              <a:rPr lang="en-US" dirty="0"/>
+              <a:t>) , difference to </a:t>
+            </a:r>
+            <a:endParaRPr lang="en-US" dirty="0" smtClean="0"/>
+          </a:p>
+          <a:p>
+            <a:pPr>
+              <a:buFontTx/>
+              <a:buChar char="-"/>
+            </a:pPr>
+            <a:r>
+              <a:rPr lang="en-US" dirty="0" smtClean="0"/>
+              <a:t>-</a:t>
+            </a:r>
+            <a:r>
+              <a:rPr lang="en-US" dirty="0"/>
+              <a:t>location to </a:t>
+            </a:r>
+            <a:r>
+              <a:rPr lang="en-US" dirty="0" smtClean="0"/>
+              <a:t>pixel:</a:t>
+            </a:r>
+          </a:p>
+          <a:p>
+            <a:pPr lvl="1" algn="l"/>
+            <a:r>
+              <a:rPr lang="en-US" dirty="0" smtClean="0"/>
+              <a:t>-</a:t>
+            </a:r>
+            <a:r>
+              <a:rPr lang="en-US" dirty="0"/>
+              <a:t>pixel matching between two </a:t>
+            </a:r>
+            <a:r>
+              <a:rPr lang="en-US" dirty="0" smtClean="0"/>
+              <a:t>picture</a:t>
+            </a:r>
+          </a:p>
+          <a:p>
+            <a:pPr lvl="1" algn="l"/>
+            <a:endParaRPr lang="en-US" dirty="0" smtClean="0"/>
+          </a:p>
+        </p:txBody>
+      </p:sp>
+      <p:sp>
+        <p:nvSpPr>
+          <p:cNvPr id="6" name="TextBox 5"/>
+          <p:cNvSpPr txBox="1"/>
+          <p:nvPr/>
+        </p:nvSpPr>
+        <p:spPr>
+          <a:xfrm>
+            <a:off x="838200" y="3581400"/>
+            <a:ext cx="7162800" cy="1754326"/>
+          </a:xfrm>
+          <a:prstGeom prst="rect">
+            <a:avLst/>
+          </a:prstGeom>
+          <a:noFill/>
+        </p:spPr>
+        <p:txBody>
+          <a:bodyPr wrap="square" rtlCol="0">
+            <a:spAutoFit/>
+          </a:bodyPr>
+          <a:lstStyle/>
+          <a:p>
+            <a:pPr marL="0" lvl="1"/>
+            <a:r>
+              <a:rPr lang="en-US" dirty="0" smtClean="0"/>
+              <a:t>-pixel to color :</a:t>
+            </a:r>
+          </a:p>
+          <a:p>
+            <a:pPr marL="0" lvl="1"/>
+            <a:r>
+              <a:rPr lang="en-US" dirty="0" smtClean="0"/>
+              <a:t>	-hue (360 degrees. Hue in the HSB/HSL encodings of RGB picture)</a:t>
+            </a:r>
+          </a:p>
+          <a:p>
+            <a:pPr marL="0" lvl="1"/>
+            <a:r>
+              <a:rPr lang="en-US" dirty="0" smtClean="0"/>
+              <a:t>	-two Continuous hue parts in the original bar. </a:t>
+            </a:r>
+          </a:p>
+          <a:p>
+            <a:pPr marL="0" lvl="1"/>
+            <a:r>
+              <a:rPr lang="en-US" dirty="0" smtClean="0"/>
+              <a:t>	-linear between delimiters assumption ,</a:t>
+            </a:r>
+          </a:p>
+          <a:p>
+            <a:endParaRPr lang="en-US" dirty="0"/>
           </a:p>
         </p:txBody>
       </p:sp>
@@ -5262,7 +5367,7 @@
         </p:nvSpPr>
         <p:spPr>
           <a:xfrm>
-            <a:off x="304800" y="381000"/>
+            <a:off x="533400" y="457200"/>
             <a:ext cx="7772400" cy="1362456"/>
           </a:xfrm>
         </p:spPr>
@@ -5271,114 +5376,18 @@
           <a:lstStyle/>
           <a:p>
             <a:r>
-              <a:rPr smtClean="0"/>
-              <a:t>Chall</a:t>
-            </a:r>
-            <a:r>
-              <a:rPr lang="en-US" dirty="0" smtClean="0"/>
-              <a:t>e</a:t>
-            </a:r>
-            <a:r>
-              <a:rPr smtClean="0"/>
-              <a:t>nges:</a:t>
-            </a:r>
-            <a:endParaRPr lang="en-US" dirty="0"/>
-          </a:p>
-        </p:txBody>
-      </p:sp>
-      <p:sp>
-        <p:nvSpPr>
-          <p:cNvPr id="4" name="TextBox 3"/>
-          <p:cNvSpPr txBox="1"/>
-          <p:nvPr/>
-        </p:nvSpPr>
-        <p:spPr>
-          <a:xfrm>
-            <a:off x="304800" y="1828800"/>
-            <a:ext cx="8229600" cy="2862322"/>
-          </a:xfrm>
-          <a:prstGeom prst="rect">
-            <a:avLst/>
-          </a:prstGeom>
-          <a:noFill/>
-        </p:spPr>
-        <p:txBody>
-          <a:bodyPr wrap="square" rtlCol="0">
-            <a:spAutoFit/>
-          </a:bodyPr>
-          <a:lstStyle/>
-          <a:p>
-            <a:pPr marL="342900" indent="-342900">
-              <a:buAutoNum type="arabicPeriod"/>
-            </a:pPr>
-            <a:r>
-              <a:rPr lang="en-US" dirty="0" smtClean="0"/>
-              <a:t>Some of us needed to upgrade windows (or virtual machines).</a:t>
-            </a:r>
-          </a:p>
-          <a:p>
-            <a:pPr marL="342900" indent="-342900">
-              <a:buAutoNum type="arabicPeriod"/>
-            </a:pPr>
-            <a:r>
-              <a:rPr lang="en-US" dirty="0" smtClean="0"/>
-              <a:t>Getting familiar with the azure infrastructure: numerous videos and articles.</a:t>
-            </a:r>
-          </a:p>
-          <a:p>
-            <a:pPr marL="342900" indent="-342900">
-              <a:buAutoNum type="arabicPeriod"/>
-            </a:pPr>
-            <a:r>
-              <a:rPr lang="en-US" dirty="0" smtClean="0"/>
-              <a:t>Deciding the type of  tables to use ( Blob, Table storage and SQL DB).</a:t>
-            </a:r>
-          </a:p>
-          <a:p>
-            <a:pPr marL="342900" indent="-342900">
-              <a:buAutoNum type="arabicPeriod"/>
-            </a:pPr>
-            <a:r>
-              <a:rPr lang="en-US" dirty="0" smtClean="0"/>
-              <a:t>Accessing the DB with bugs in stream and Little Endean or Big Endean differences.</a:t>
-            </a:r>
-          </a:p>
-          <a:p>
-            <a:pPr marL="342900" indent="-342900">
-              <a:buAutoNum type="arabicPeriod"/>
-            </a:pPr>
-            <a:r>
-              <a:rPr lang="en-US" dirty="0" smtClean="0"/>
-              <a:t>Coordination between the 3 team mates.</a:t>
-            </a:r>
-          </a:p>
-          <a:p>
-            <a:pPr marL="342900" indent="-342900">
-              <a:buAutoNum type="arabicPeriod"/>
-            </a:pPr>
-            <a:r>
-              <a:rPr lang="en-US" dirty="0" smtClean="0"/>
-              <a:t>Source Control (GIT).</a:t>
-            </a:r>
-          </a:p>
-          <a:p>
-            <a:pPr marL="342900" indent="-342900">
-              <a:buAutoNum type="arabicPeriod" startAt="7"/>
-            </a:pPr>
-            <a:r>
-              <a:rPr lang="en-US" dirty="0" smtClean="0"/>
-              <a:t>No help regarding the use of AZUR: we contacted Microsoft help desk.</a:t>
-            </a:r>
-          </a:p>
-          <a:p>
-            <a:pPr marL="342900" indent="-342900"/>
-            <a:endParaRPr lang="en-US" dirty="0" smtClean="0"/>
-          </a:p>
-          <a:p>
-            <a:pPr marL="342900" indent="-342900">
-              <a:buAutoNum type="arabicPeriod"/>
-            </a:pPr>
-            <a:endParaRPr lang="en-US" dirty="0"/>
+              <a:rPr smtClean="0">
+                <a:solidFill>
+                  <a:srgbClr val="FFFF00"/>
+                </a:solidFill>
+              </a:rPr>
+              <a:t>UI</a:t>
+            </a:r>
+            <a:endParaRPr lang="en-US" dirty="0">
+              <a:solidFill>
+                <a:srgbClr val="FFFF00"/>
+              </a:solidFill>
+            </a:endParaRPr>
           </a:p>
         </p:txBody>
       </p:sp>

--- a/Rain Man.pptx
+++ b/Rain Man.pptx
@@ -13,9 +13,11 @@
     <p:sldId id="259" r:id="rId7"/>
     <p:sldId id="260" r:id="rId8"/>
     <p:sldId id="261" r:id="rId9"/>
-    <p:sldId id="264" r:id="rId10"/>
-    <p:sldId id="265" r:id="rId11"/>
-    <p:sldId id="262" r:id="rId12"/>
+    <p:sldId id="268" r:id="rId10"/>
+    <p:sldId id="267" r:id="rId11"/>
+    <p:sldId id="264" r:id="rId12"/>
+    <p:sldId id="265" r:id="rId13"/>
+    <p:sldId id="262" r:id="rId14"/>
   </p:sldIdLst>
   <p:sldSz cx="9144000" cy="6858000" type="screen4x3"/>
   <p:notesSz cx="6858000" cy="9144000"/>
@@ -4081,135 +4083,110 @@
           <a:chExt cx="0" cy="0"/>
         </a:xfrm>
       </p:grpSpPr>
-      <p:sp>
-        <p:nvSpPr>
-          <p:cNvPr id="2" name="כותרת 1"/>
-          <p:cNvSpPr>
-            <a:spLocks noGrp="1"/>
-          </p:cNvSpPr>
-          <p:nvPr>
-            <p:ph type="title"/>
-          </p:nvPr>
-        </p:nvSpPr>
-        <p:spPr>
+      <p:pic>
+        <p:nvPicPr>
+          <p:cNvPr id="4" name="Picture 2" descr="C:\Users\Public\Pictures\0.jpg"/>
+          <p:cNvPicPr>
+            <a:picLocks noChangeAspect="1" noChangeArrowheads="1"/>
+          </p:cNvPicPr>
+          <p:nvPr/>
+        </p:nvPicPr>
+        <p:blipFill>
+          <a:blip r:embed="rId2">
+            <a:extLst>
+              <a:ext uri="{28A0092B-C50C-407E-A947-70E740481C1C}">
+                <a14:useLocalDpi xmlns:a14="http://schemas.microsoft.com/office/drawing/2010/main" val="0"/>
+              </a:ext>
+            </a:extLst>
+          </a:blip>
+          <a:srcRect/>
+          <a:stretch>
+            <a:fillRect/>
+          </a:stretch>
+        </p:blipFill>
+        <p:spPr bwMode="auto">
           <a:xfrm>
-            <a:off x="304800" y="381000"/>
-            <a:ext cx="7772400" cy="1362456"/>
-          </a:xfrm>
-        </p:spPr>
-        <p:txBody>
-          <a:bodyPr/>
-          <a:lstStyle/>
-          <a:p>
-            <a:r>
-              <a:rPr smtClean="0"/>
-              <a:t>Chall</a:t>
-            </a:r>
-            <a:r>
-              <a:rPr lang="en-US" dirty="0" smtClean="0"/>
-              <a:t>e</a:t>
-            </a:r>
-            <a:r>
-              <a:rPr smtClean="0"/>
-              <a:t>nges:</a:t>
-            </a:r>
-            <a:endParaRPr lang="en-US" dirty="0"/>
-          </a:p>
-        </p:txBody>
-      </p:sp>
-      <p:sp>
-        <p:nvSpPr>
-          <p:cNvPr id="4" name="TextBox 3"/>
-          <p:cNvSpPr txBox="1"/>
-          <p:nvPr/>
-        </p:nvSpPr>
-        <p:spPr>
-          <a:xfrm>
-            <a:off x="304800" y="1828800"/>
-            <a:ext cx="8229600" cy="2862322"/>
+            <a:off x="1371600" y="304800"/>
+            <a:ext cx="6099629" cy="6096000"/>
           </a:xfrm>
           <a:prstGeom prst="rect">
             <a:avLst/>
           </a:prstGeom>
           <a:noFill/>
-        </p:spPr>
-        <p:txBody>
-          <a:bodyPr wrap="square" rtlCol="0">
-            <a:spAutoFit/>
-          </a:bodyPr>
-          <a:lstStyle/>
-          <a:p>
-            <a:pPr marL="342900" indent="-342900">
-              <a:buAutoNum type="arabicPeriod"/>
-            </a:pPr>
-            <a:r>
-              <a:rPr lang="en-US" dirty="0" smtClean="0"/>
-              <a:t>Some of us needed to upgrade windows (or virtual machines).</a:t>
-            </a:r>
-          </a:p>
-          <a:p>
-            <a:pPr marL="342900" indent="-342900">
-              <a:buAutoNum type="arabicPeriod"/>
-            </a:pPr>
-            <a:r>
-              <a:rPr lang="en-US" dirty="0" smtClean="0"/>
-              <a:t>Getting familiar with the azure infrastructure: numerous videos and articles.</a:t>
-            </a:r>
-          </a:p>
-          <a:p>
-            <a:pPr marL="342900" indent="-342900">
-              <a:buAutoNum type="arabicPeriod"/>
-            </a:pPr>
-            <a:r>
-              <a:rPr lang="en-US" dirty="0" smtClean="0"/>
-              <a:t>Deciding the type of  tables to use ( Blob, Table storage and SQL DB).</a:t>
-            </a:r>
-          </a:p>
-          <a:p>
-            <a:pPr marL="342900" indent="-342900">
-              <a:buAutoNum type="arabicPeriod"/>
-            </a:pPr>
-            <a:r>
-              <a:rPr lang="en-US" dirty="0" smtClean="0"/>
-              <a:t>Accessing the DB with bugs in stream and Little Endean or Big Endean differences.</a:t>
-            </a:r>
-          </a:p>
-          <a:p>
-            <a:pPr marL="342900" indent="-342900">
-              <a:buAutoNum type="arabicPeriod"/>
-            </a:pPr>
-            <a:r>
-              <a:rPr lang="en-US" dirty="0" smtClean="0"/>
-              <a:t>Coordination between the 3 team mates.</a:t>
-            </a:r>
-          </a:p>
-          <a:p>
-            <a:pPr marL="342900" indent="-342900">
-              <a:buAutoNum type="arabicPeriod"/>
-            </a:pPr>
-            <a:r>
-              <a:rPr lang="en-US" dirty="0" smtClean="0"/>
-              <a:t>Source Control (GIT).</a:t>
-            </a:r>
-          </a:p>
-          <a:p>
-            <a:pPr marL="342900" indent="-342900">
-              <a:buAutoNum type="arabicPeriod" startAt="7"/>
-            </a:pPr>
-            <a:r>
-              <a:rPr lang="en-US" dirty="0" smtClean="0"/>
-              <a:t>No help regarding the use of AZUR: we contacted Microsoft help desk.</a:t>
-            </a:r>
-          </a:p>
-          <a:p>
-            <a:pPr marL="342900" indent="-342900"/>
-            <a:endParaRPr lang="en-US" dirty="0" smtClean="0"/>
-          </a:p>
-          <a:p>
-            <a:pPr marL="342900" indent="-342900">
-              <a:buAutoNum type="arabicPeriod"/>
-            </a:pPr>
-            <a:endParaRPr lang="en-US" dirty="0"/>
+          <a:extLst>
+            <a:ext uri="{909E8E84-426E-40DD-AFC4-6F175D3DCCD1}">
+              <a14:hiddenFill xmlns:a14="http://schemas.microsoft.com/office/drawing/2010/main">
+                <a:solidFill>
+                  <a:srgbClr val="FFFFFF"/>
+                </a:solidFill>
+              </a14:hiddenFill>
+            </a:ext>
+          </a:extLst>
+        </p:spPr>
+      </p:pic>
+    </p:spTree>
+    <p:extLst>
+      <p:ext uri="{BB962C8B-B14F-4D97-AF65-F5344CB8AC3E}">
+        <p14:creationId xmlns:p14="http://schemas.microsoft.com/office/powerpoint/2010/main" val="2849815269"/>
+      </p:ext>
+    </p:extLst>
+  </p:cSld>
+  <p:clrMapOvr>
+    <a:masterClrMapping/>
+  </p:clrMapOvr>
+</p:sld>
+</file>
+
+<file path=ppt/slides/slide11.xml><?xml version="1.0" encoding="utf-8"?>
+<p:sld xmlns:a="http://schemas.openxmlformats.org/drawingml/2006/main" xmlns:r="http://schemas.openxmlformats.org/officeDocument/2006/relationships" xmlns:p="http://schemas.openxmlformats.org/presentationml/2006/main">
+  <p:cSld>
+    <p:spTree>
+      <p:nvGrpSpPr>
+        <p:cNvPr id="1" name=""/>
+        <p:cNvGrpSpPr/>
+        <p:nvPr/>
+      </p:nvGrpSpPr>
+      <p:grpSpPr>
+        <a:xfrm>
+          <a:off x="0" y="0"/>
+          <a:ext cx="0" cy="0"/>
+          <a:chOff x="0" y="0"/>
+          <a:chExt cx="0" cy="0"/>
+        </a:xfrm>
+      </p:grpSpPr>
+      <p:sp>
+        <p:nvSpPr>
+          <p:cNvPr id="2" name="כותרת 1"/>
+          <p:cNvSpPr>
+            <a:spLocks noGrp="1"/>
+          </p:cNvSpPr>
+          <p:nvPr>
+            <p:ph type="title"/>
+          </p:nvPr>
+        </p:nvSpPr>
+        <p:spPr>
+          <a:xfrm>
+            <a:off x="533400" y="457200"/>
+            <a:ext cx="7772400" cy="1362456"/>
+          </a:xfrm>
+        </p:spPr>
+        <p:txBody>
+          <a:bodyPr/>
+          <a:lstStyle/>
+          <a:p>
+            <a:r>
+              <a:rPr smtClean="0">
+                <a:solidFill>
+                  <a:srgbClr val="FFFF00"/>
+                </a:solidFill>
+              </a:rPr>
+              <a:t>UI</a:t>
+            </a:r>
+            <a:endParaRPr lang="en-US" dirty="0">
+              <a:solidFill>
+                <a:srgbClr val="FFFF00"/>
+              </a:solidFill>
+            </a:endParaRPr>
           </a:p>
         </p:txBody>
       </p:sp>
@@ -4221,7 +4198,205 @@
 </p:sld>
 </file>
 
-<file path=ppt/slides/slide11.xml><?xml version="1.0" encoding="utf-8"?>
+<file path=ppt/slides/slide12.xml><?xml version="1.0" encoding="utf-8"?>
+<p:sld xmlns:a="http://schemas.openxmlformats.org/drawingml/2006/main" xmlns:r="http://schemas.openxmlformats.org/officeDocument/2006/relationships" xmlns:p="http://schemas.openxmlformats.org/presentationml/2006/main">
+  <p:cSld>
+    <p:spTree>
+      <p:nvGrpSpPr>
+        <p:cNvPr id="1" name=""/>
+        <p:cNvGrpSpPr/>
+        <p:nvPr/>
+      </p:nvGrpSpPr>
+      <p:grpSpPr>
+        <a:xfrm>
+          <a:off x="0" y="0"/>
+          <a:ext cx="0" cy="0"/>
+          <a:chOff x="0" y="0"/>
+          <a:chExt cx="0" cy="0"/>
+        </a:xfrm>
+      </p:grpSpPr>
+      <p:sp>
+        <p:nvSpPr>
+          <p:cNvPr id="2" name="כותרת 1"/>
+          <p:cNvSpPr>
+            <a:spLocks noGrp="1"/>
+          </p:cNvSpPr>
+          <p:nvPr>
+            <p:ph type="title"/>
+          </p:nvPr>
+        </p:nvSpPr>
+        <p:spPr>
+          <a:xfrm>
+            <a:off x="304800" y="381000"/>
+            <a:ext cx="7772400" cy="1362456"/>
+          </a:xfrm>
+        </p:spPr>
+        <p:txBody>
+          <a:bodyPr/>
+          <a:lstStyle/>
+          <a:p>
+            <a:r>
+              <a:rPr smtClean="0"/>
+              <a:t>Chall</a:t>
+            </a:r>
+            <a:r>
+              <a:rPr lang="en-US" dirty="0" smtClean="0"/>
+              <a:t>e</a:t>
+            </a:r>
+            <a:r>
+              <a:rPr smtClean="0"/>
+              <a:t>nges:</a:t>
+            </a:r>
+            <a:endParaRPr lang="en-US" dirty="0"/>
+          </a:p>
+        </p:txBody>
+      </p:sp>
+      <p:sp>
+        <p:nvSpPr>
+          <p:cNvPr id="4" name="TextBox 3"/>
+          <p:cNvSpPr txBox="1"/>
+          <p:nvPr/>
+        </p:nvSpPr>
+        <p:spPr>
+          <a:xfrm>
+            <a:off x="304800" y="1828800"/>
+            <a:ext cx="8229600" cy="3970318"/>
+          </a:xfrm>
+          <a:prstGeom prst="rect">
+            <a:avLst/>
+          </a:prstGeom>
+          <a:noFill/>
+        </p:spPr>
+        <p:txBody>
+          <a:bodyPr wrap="square" rtlCol="0">
+            <a:spAutoFit/>
+          </a:bodyPr>
+          <a:lstStyle/>
+          <a:p>
+            <a:pPr marL="342900" indent="-342900">
+              <a:buAutoNum type="arabicPeriod"/>
+            </a:pPr>
+            <a:r>
+              <a:rPr lang="en-US" dirty="0" smtClean="0"/>
+              <a:t>Some of us needed to upgrade windows (or virtual machines).</a:t>
+            </a:r>
+          </a:p>
+          <a:p>
+            <a:pPr marL="342900" indent="-342900">
+              <a:buAutoNum type="arabicPeriod"/>
+            </a:pPr>
+            <a:r>
+              <a:rPr lang="en-US" dirty="0" smtClean="0"/>
+              <a:t>Getting familiar with the azure infrastructure: numerous videos and articles.</a:t>
+            </a:r>
+          </a:p>
+          <a:p>
+            <a:pPr marL="342900" indent="-342900">
+              <a:buAutoNum type="arabicPeriod"/>
+            </a:pPr>
+            <a:r>
+              <a:rPr lang="en-US" dirty="0" smtClean="0"/>
+              <a:t>Deciding the type of  tables to use ( Blob, Table storage and SQL DB).</a:t>
+            </a:r>
+          </a:p>
+          <a:p>
+            <a:pPr marL="342900" indent="-342900">
+              <a:buAutoNum type="arabicPeriod"/>
+            </a:pPr>
+            <a:r>
+              <a:rPr lang="en-US" dirty="0" smtClean="0"/>
+              <a:t>Accessing the DB with bugs in stream and Little Endean or Big Endean differences.</a:t>
+            </a:r>
+          </a:p>
+          <a:p>
+            <a:pPr marL="342900" indent="-342900">
+              <a:buAutoNum type="arabicPeriod"/>
+            </a:pPr>
+            <a:r>
+              <a:rPr lang="en-US" dirty="0" smtClean="0"/>
+              <a:t>Coordination between the 3 team mates.</a:t>
+            </a:r>
+          </a:p>
+          <a:p>
+            <a:pPr marL="342900" indent="-342900">
+              <a:buAutoNum type="arabicPeriod"/>
+            </a:pPr>
+            <a:r>
+              <a:rPr lang="en-US" dirty="0" smtClean="0"/>
+              <a:t>Source Control (GIT).</a:t>
+            </a:r>
+          </a:p>
+          <a:p>
+            <a:pPr marL="342900" indent="-342900">
+              <a:buAutoNum type="arabicPeriod" startAt="7"/>
+            </a:pPr>
+            <a:r>
+              <a:rPr lang="en-US" dirty="0" smtClean="0"/>
+              <a:t>No help regarding the use of AZUR: we contacted Microsoft help desk</a:t>
+            </a:r>
+            <a:r>
+              <a:rPr lang="en-US" dirty="0" smtClean="0"/>
+              <a:t>.</a:t>
+            </a:r>
+          </a:p>
+          <a:p>
+            <a:pPr marL="342900" indent="-342900">
+              <a:buAutoNum type="arabicPeriod" startAt="7"/>
+            </a:pPr>
+            <a:r>
+              <a:rPr lang="en-US" dirty="0" smtClean="0"/>
+              <a:t>Almost no documentation regarding the python library for azure</a:t>
+            </a:r>
+          </a:p>
+          <a:p>
+            <a:pPr marL="342900" indent="-342900">
+              <a:buAutoNum type="arabicPeriod" startAt="7"/>
+            </a:pPr>
+            <a:r>
+              <a:rPr lang="en-US" dirty="0" smtClean="0"/>
+              <a:t>Human  directed radar scale</a:t>
+            </a:r>
+          </a:p>
+          <a:p>
+            <a:pPr marL="342900" indent="-342900">
+              <a:buAutoNum type="arabicPeriod" startAt="7"/>
+            </a:pPr>
+            <a:r>
+              <a:rPr lang="en-US" dirty="0" smtClean="0"/>
+              <a:t>Bad connection with the radar site</a:t>
+            </a:r>
+          </a:p>
+          <a:p>
+            <a:pPr marL="342900" indent="-342900">
+              <a:buAutoNum type="arabicPeriod" startAt="7"/>
+            </a:pPr>
+            <a:r>
+              <a:rPr lang="en-US" dirty="0" smtClean="0"/>
+              <a:t>The radar map is a “flat” map and the earth is a glob </a:t>
+            </a:r>
+            <a:endParaRPr lang="en-US" dirty="0" smtClean="0"/>
+          </a:p>
+          <a:p>
+            <a:pPr marL="342900" indent="-342900"/>
+            <a:endParaRPr lang="en-US" dirty="0" smtClean="0"/>
+          </a:p>
+          <a:p>
+            <a:pPr marL="342900" indent="-342900">
+              <a:buAutoNum type="arabicPeriod"/>
+            </a:pPr>
+            <a:endParaRPr lang="en-US" dirty="0"/>
+          </a:p>
+        </p:txBody>
+      </p:sp>
+    </p:spTree>
+  </p:cSld>
+  <p:clrMapOvr>
+    <a:masterClrMapping/>
+  </p:clrMapOvr>
+</p:sld>
+</file>
+
+<file path=ppt/slides/slide13.xml><?xml version="1.0" encoding="utf-8"?>
 <p:sld xmlns:a="http://schemas.openxmlformats.org/drawingml/2006/main" xmlns:r="http://schemas.openxmlformats.org/officeDocument/2006/relationships" xmlns:p="http://schemas.openxmlformats.org/presentationml/2006/main">
   <p:cSld>
     <p:spTree>
@@ -4554,7 +4729,6 @@
               <a:rPr lang="en-US" dirty="0" smtClean="0"/>
               <a:t>The features of our app:</a:t>
             </a:r>
-            <a:endParaRPr lang="en-US" dirty="0" smtClean="0"/>
           </a:p>
           <a:p>
             <a:pPr algn="l"/>
@@ -5285,7 +5459,7 @@
         <p:spPr>
           <a:xfrm>
             <a:off x="838200" y="3581400"/>
-            <a:ext cx="7162800" cy="1754326"/>
+            <a:ext cx="7162800" cy="2308324"/>
           </a:xfrm>
           <a:prstGeom prst="rect">
             <a:avLst/>
@@ -5308,8 +5482,24 @@
             <a:pPr marL="0" lvl="1"/>
             <a:r>
               <a:rPr lang="en-US" dirty="0" smtClean="0"/>
-              <a:t>	-hue (360 degrees. Hue in the HSB/HSL encodings of RGB picture)</a:t>
-            </a:r>
+              <a:t>	-hue (360 degrees</a:t>
+            </a:r>
+            <a:r>
+              <a:rPr lang="en-US" dirty="0" smtClean="0"/>
+              <a:t>.)</a:t>
+            </a:r>
+          </a:p>
+          <a:p>
+            <a:pPr marL="0" lvl="1"/>
+            <a:endParaRPr lang="en-US" dirty="0" smtClean="0"/>
+          </a:p>
+          <a:p>
+            <a:pPr marL="0" lvl="1"/>
+            <a:endParaRPr lang="en-US" dirty="0" smtClean="0"/>
+          </a:p>
+          <a:p>
+            <a:pPr marL="0" lvl="1"/>
+            <a:endParaRPr lang="en-US" dirty="0" smtClean="0"/>
           </a:p>
           <a:p>
             <a:pPr marL="0" lvl="1"/>
@@ -5330,6 +5520,90 @@
           </a:p>
         </p:txBody>
       </p:sp>
+      <p:sp>
+        <p:nvSpPr>
+          <p:cNvPr id="9" name="Rectangle 8"/>
+          <p:cNvSpPr/>
+          <p:nvPr/>
+        </p:nvSpPr>
+        <p:spPr>
+          <a:xfrm>
+            <a:off x="1932214" y="4225587"/>
+            <a:ext cx="3429000" cy="742950"/>
+          </a:xfrm>
+          <a:prstGeom prst="rect">
+            <a:avLst/>
+          </a:prstGeom>
+          <a:solidFill>
+            <a:schemeClr val="tx1"/>
+          </a:solidFill>
+        </p:spPr>
+        <p:style>
+          <a:lnRef idx="2">
+            <a:schemeClr val="accent1">
+              <a:shade val="50000"/>
+            </a:schemeClr>
+          </a:lnRef>
+          <a:fillRef idx="1">
+            <a:schemeClr val="accent1"/>
+          </a:fillRef>
+          <a:effectRef idx="0">
+            <a:schemeClr val="accent1"/>
+          </a:effectRef>
+          <a:fontRef idx="minor">
+            <a:schemeClr val="lt1"/>
+          </a:fontRef>
+        </p:style>
+        <p:txBody>
+          <a:bodyPr rtlCol="1" anchor="ctr"/>
+          <a:lstStyle/>
+          <a:p>
+            <a:pPr algn="ctr"/>
+            <a:endParaRPr lang="he-IL"/>
+          </a:p>
+        </p:txBody>
+      </p:sp>
+      <p:pic>
+        <p:nvPicPr>
+          <p:cNvPr id="8" name="Picture 2" descr="C:\Users\davidl\Pictures\360px-HueScale.svg.png"/>
+          <p:cNvPicPr>
+            <a:picLocks noChangeAspect="1" noChangeArrowheads="1"/>
+          </p:cNvPicPr>
+          <p:nvPr/>
+        </p:nvPicPr>
+        <p:blipFill>
+          <a:blip r:embed="rId2">
+            <a:extLst>
+              <a:ext uri="{28A0092B-C50C-407E-A947-70E740481C1C}">
+                <a14:useLocalDpi xmlns:a14="http://schemas.microsoft.com/office/drawing/2010/main" val="0"/>
+              </a:ext>
+            </a:extLst>
+          </a:blip>
+          <a:srcRect/>
+          <a:stretch>
+            <a:fillRect/>
+          </a:stretch>
+        </p:blipFill>
+        <p:spPr bwMode="auto">
+          <a:xfrm>
+            <a:off x="1924957" y="4225587"/>
+            <a:ext cx="3429000" cy="742950"/>
+          </a:xfrm>
+          <a:prstGeom prst="rect">
+            <a:avLst/>
+          </a:prstGeom>
+          <a:noFill/>
+          <a:extLst>
+            <a:ext uri="{909E8E84-426E-40DD-AFC4-6F175D3DCCD1}">
+              <a14:hiddenFill xmlns:a14="http://schemas.microsoft.com/office/drawing/2010/main">
+                <a:solidFill>
+                  <a:srgbClr val="FFFFFF"/>
+                </a:solidFill>
+              </a14:hiddenFill>
+            </a:ext>
+          </a:extLst>
+        </p:spPr>
+      </p:pic>
     </p:spTree>
   </p:cSld>
   <p:clrMapOvr>
@@ -5355,43 +5629,53 @@
           <a:chExt cx="0" cy="0"/>
         </a:xfrm>
       </p:grpSpPr>
-      <p:sp>
-        <p:nvSpPr>
-          <p:cNvPr id="2" name="כותרת 1"/>
-          <p:cNvSpPr>
-            <a:spLocks noGrp="1"/>
-          </p:cNvSpPr>
-          <p:nvPr>
-            <p:ph type="title"/>
-          </p:nvPr>
-        </p:nvSpPr>
-        <p:spPr>
+      <p:pic>
+        <p:nvPicPr>
+          <p:cNvPr id="4" name="Picture 2" descr="C:\Users\Public\Pictures\Sample Pictures\230.gif"/>
+          <p:cNvPicPr>
+            <a:picLocks noChangeAspect="1" noChangeArrowheads="1"/>
+          </p:cNvPicPr>
+          <p:nvPr/>
+        </p:nvPicPr>
+        <p:blipFill>
+          <a:blip r:embed="rId2">
+            <a:extLst>
+              <a:ext uri="{28A0092B-C50C-407E-A947-70E740481C1C}">
+                <a14:useLocalDpi xmlns:a14="http://schemas.microsoft.com/office/drawing/2010/main" val="0"/>
+              </a:ext>
+            </a:extLst>
+          </a:blip>
+          <a:srcRect/>
+          <a:stretch>
+            <a:fillRect/>
+          </a:stretch>
+        </p:blipFill>
+        <p:spPr bwMode="auto">
           <a:xfrm>
-            <a:off x="533400" y="457200"/>
-            <a:ext cx="7772400" cy="1362456"/>
-          </a:xfrm>
-        </p:spPr>
-        <p:txBody>
-          <a:bodyPr/>
-          <a:lstStyle/>
-          <a:p>
-            <a:r>
-              <a:rPr smtClean="0">
+            <a:off x="1244600" y="304800"/>
+            <a:ext cx="6096000" cy="6096000"/>
+          </a:xfrm>
+          <a:prstGeom prst="rect">
+            <a:avLst/>
+          </a:prstGeom>
+          <a:noFill/>
+          <a:extLst>
+            <a:ext uri="{909E8E84-426E-40DD-AFC4-6F175D3DCCD1}">
+              <a14:hiddenFill xmlns:a14="http://schemas.microsoft.com/office/drawing/2010/main">
                 <a:solidFill>
-                  <a:srgbClr val="FFFF00"/>
+                  <a:srgbClr val="FFFFFF"/>
                 </a:solidFill>
-              </a:rPr>
-              <a:t>UI</a:t>
-            </a:r>
-            <a:endParaRPr lang="en-US" dirty="0">
-              <a:solidFill>
-                <a:srgbClr val="FFFF00"/>
-              </a:solidFill>
-            </a:endParaRPr>
-          </a:p>
-        </p:txBody>
-      </p:sp>
+              </a14:hiddenFill>
+            </a:ext>
+          </a:extLst>
+        </p:spPr>
+      </p:pic>
     </p:spTree>
+    <p:extLst>
+      <p:ext uri="{BB962C8B-B14F-4D97-AF65-F5344CB8AC3E}">
+        <p14:creationId xmlns:p14="http://schemas.microsoft.com/office/powerpoint/2010/main" val="254734702"/>
+      </p:ext>
+    </p:extLst>
   </p:cSld>
   <p:clrMapOvr>
     <a:masterClrMapping/>
